--- a/c云服务架构/扫盲篇/API经济.pptx
+++ b/c云服务架构/扫盲篇/API经济.pptx
@@ -5,17 +5,18 @@
     <p:sldMasterId id="2147483648" r:id="rId1"/>
   </p:sldMasterIdLst>
   <p:notesMasterIdLst>
-    <p:notesMasterId r:id="rId10"/>
+    <p:notesMasterId r:id="rId11"/>
   </p:notesMasterIdLst>
   <p:sldIdLst>
     <p:sldId id="256" r:id="rId2"/>
     <p:sldId id="267" r:id="rId3"/>
-    <p:sldId id="270" r:id="rId4"/>
-    <p:sldId id="272" r:id="rId5"/>
-    <p:sldId id="271" r:id="rId6"/>
-    <p:sldId id="268" r:id="rId7"/>
-    <p:sldId id="269" r:id="rId8"/>
-    <p:sldId id="264" r:id="rId9"/>
+    <p:sldId id="273" r:id="rId4"/>
+    <p:sldId id="270" r:id="rId5"/>
+    <p:sldId id="272" r:id="rId6"/>
+    <p:sldId id="271" r:id="rId7"/>
+    <p:sldId id="268" r:id="rId8"/>
+    <p:sldId id="269" r:id="rId9"/>
+    <p:sldId id="264" r:id="rId10"/>
   </p:sldIdLst>
   <p:sldSz cx="13004800" cy="8623300"/>
   <p:notesSz cx="6858000" cy="9144000"/>
@@ -6256,7 +6257,7 @@
           <a:p>
             <a:fld id="{FCF34936-9BE8-4133-A782-55B70958D9F1}" type="datetimeFigureOut">
               <a:rPr lang="zh-CN" altLang="en-US" smtClean="0"/>
-              <a:t>2017/4/19</a:t>
+              <a:t>2017/4/20</a:t>
             </a:fld>
             <a:endParaRPr lang="zh-CN" altLang="en-US"/>
           </a:p>
@@ -6702,7 +6703,7 @@
           <a:p>
             <a:fld id="{A9A3A160-64B0-433E-876E-E206ABB7688A}" type="datetimeFigureOut">
               <a:rPr lang="zh-CN" altLang="en-US" smtClean="0"/>
-              <a:t>2017/4/19</a:t>
+              <a:t>2017/4/20</a:t>
             </a:fld>
             <a:endParaRPr lang="zh-CN" altLang="en-US"/>
           </a:p>
@@ -6865,7 +6866,7 @@
           <a:p>
             <a:fld id="{A9A3A160-64B0-433E-876E-E206ABB7688A}" type="datetimeFigureOut">
               <a:rPr lang="zh-CN" altLang="en-US" smtClean="0"/>
-              <a:t>2017/4/19</a:t>
+              <a:t>2017/4/20</a:t>
             </a:fld>
             <a:endParaRPr lang="zh-CN" altLang="en-US"/>
           </a:p>
@@ -7038,7 +7039,7 @@
           <a:p>
             <a:fld id="{A9A3A160-64B0-433E-876E-E206ABB7688A}" type="datetimeFigureOut">
               <a:rPr lang="zh-CN" altLang="en-US" smtClean="0"/>
-              <a:t>2017/4/19</a:t>
+              <a:t>2017/4/20</a:t>
             </a:fld>
             <a:endParaRPr lang="zh-CN" altLang="en-US"/>
           </a:p>
@@ -7201,7 +7202,7 @@
           <a:p>
             <a:fld id="{A9A3A160-64B0-433E-876E-E206ABB7688A}" type="datetimeFigureOut">
               <a:rPr lang="zh-CN" altLang="en-US" smtClean="0"/>
-              <a:t>2017/4/19</a:t>
+              <a:t>2017/4/20</a:t>
             </a:fld>
             <a:endParaRPr lang="zh-CN" altLang="en-US"/>
           </a:p>
@@ -7441,7 +7442,7 @@
           <a:p>
             <a:fld id="{A9A3A160-64B0-433E-876E-E206ABB7688A}" type="datetimeFigureOut">
               <a:rPr lang="zh-CN" altLang="en-US" smtClean="0"/>
-              <a:t>2017/4/19</a:t>
+              <a:t>2017/4/20</a:t>
             </a:fld>
             <a:endParaRPr lang="zh-CN" altLang="en-US"/>
           </a:p>
@@ -7721,7 +7722,7 @@
           <a:p>
             <a:fld id="{A9A3A160-64B0-433E-876E-E206ABB7688A}" type="datetimeFigureOut">
               <a:rPr lang="zh-CN" altLang="en-US" smtClean="0"/>
-              <a:t>2017/4/19</a:t>
+              <a:t>2017/4/20</a:t>
             </a:fld>
             <a:endParaRPr lang="zh-CN" altLang="en-US"/>
           </a:p>
@@ -8135,7 +8136,7 @@
           <a:p>
             <a:fld id="{A9A3A160-64B0-433E-876E-E206ABB7688A}" type="datetimeFigureOut">
               <a:rPr lang="zh-CN" altLang="en-US" smtClean="0"/>
-              <a:t>2017/4/19</a:t>
+              <a:t>2017/4/20</a:t>
             </a:fld>
             <a:endParaRPr lang="zh-CN" altLang="en-US"/>
           </a:p>
@@ -8247,7 +8248,7 @@
           <a:p>
             <a:fld id="{A9A3A160-64B0-433E-876E-E206ABB7688A}" type="datetimeFigureOut">
               <a:rPr lang="zh-CN" altLang="en-US" smtClean="0"/>
-              <a:t>2017/4/19</a:t>
+              <a:t>2017/4/20</a:t>
             </a:fld>
             <a:endParaRPr lang="zh-CN" altLang="en-US"/>
           </a:p>
@@ -8337,7 +8338,7 @@
           <a:p>
             <a:fld id="{A9A3A160-64B0-433E-876E-E206ABB7688A}" type="datetimeFigureOut">
               <a:rPr lang="zh-CN" altLang="en-US" smtClean="0"/>
-              <a:t>2017/4/19</a:t>
+              <a:t>2017/4/20</a:t>
             </a:fld>
             <a:endParaRPr lang="zh-CN" altLang="en-US"/>
           </a:p>
@@ -8607,7 +8608,7 @@
           <a:p>
             <a:fld id="{A9A3A160-64B0-433E-876E-E206ABB7688A}" type="datetimeFigureOut">
               <a:rPr lang="zh-CN" altLang="en-US" smtClean="0"/>
-              <a:t>2017/4/19</a:t>
+              <a:t>2017/4/20</a:t>
             </a:fld>
             <a:endParaRPr lang="zh-CN" altLang="en-US"/>
           </a:p>
@@ -8854,7 +8855,7 @@
           <a:p>
             <a:fld id="{A9A3A160-64B0-433E-876E-E206ABB7688A}" type="datetimeFigureOut">
               <a:rPr lang="zh-CN" altLang="en-US" smtClean="0"/>
-              <a:t>2017/4/19</a:t>
+              <a:t>2017/4/20</a:t>
             </a:fld>
             <a:endParaRPr lang="zh-CN" altLang="en-US"/>
           </a:p>
@@ -9060,7 +9061,7 @@
           <a:p>
             <a:fld id="{A9A3A160-64B0-433E-876E-E206ABB7688A}" type="datetimeFigureOut">
               <a:rPr lang="zh-CN" altLang="en-US" smtClean="0"/>
-              <a:t>2017/4/19</a:t>
+              <a:t>2017/4/20</a:t>
             </a:fld>
             <a:endParaRPr lang="zh-CN" altLang="en-US"/>
           </a:p>
@@ -9912,6 +9913,10 @@
               <a:rPr lang="zh-CN" altLang="en-US" dirty="0" smtClean="0"/>
               <a:t>与其他企业（个人）实现资源共享及互联互通。</a:t>
             </a:r>
+            <a:r>
+              <a:rPr lang="en-US" altLang="zh-CN" dirty="0" smtClean="0"/>
+              <a:t>(B2D)</a:t>
+            </a:r>
             <a:endParaRPr lang="zh-CN" altLang="en-US" dirty="0"/>
           </a:p>
         </p:txBody>
@@ -10092,6 +10097,148 @@
 </file>
 
 <file path=ppt/slides/slide3.xml><?xml version="1.0" encoding="utf-8"?>
+<p:sld xmlns:a="http://schemas.openxmlformats.org/drawingml/2006/main" xmlns:r="http://schemas.openxmlformats.org/officeDocument/2006/relationships" xmlns:p="http://schemas.openxmlformats.org/presentationml/2006/main">
+  <p:cSld>
+    <p:spTree>
+      <p:nvGrpSpPr>
+        <p:cNvPr id="1" name=""/>
+        <p:cNvGrpSpPr/>
+        <p:nvPr/>
+      </p:nvGrpSpPr>
+      <p:grpSpPr>
+        <a:xfrm>
+          <a:off x="0" y="0"/>
+          <a:ext cx="0" cy="0"/>
+          <a:chOff x="0" y="0"/>
+          <a:chExt cx="0" cy="0"/>
+        </a:xfrm>
+      </p:grpSpPr>
+      <p:pic>
+        <p:nvPicPr>
+          <p:cNvPr id="1027" name="Picture 3" descr="E:\工作\0530\银色系列\1.jpg"/>
+          <p:cNvPicPr>
+            <a:picLocks noChangeAspect="1" noChangeArrowheads="1"/>
+          </p:cNvPicPr>
+          <p:nvPr/>
+        </p:nvPicPr>
+        <p:blipFill>
+          <a:blip r:embed="rId2">
+            <a:extLst>
+              <a:ext uri="{28A0092B-C50C-407E-A947-70E740481C1C}">
+                <a14:useLocalDpi xmlns:a14="http://schemas.microsoft.com/office/drawing/2010/main" val="0"/>
+              </a:ext>
+            </a:extLst>
+          </a:blip>
+          <a:srcRect/>
+          <a:stretch>
+            <a:fillRect/>
+          </a:stretch>
+        </p:blipFill>
+        <p:spPr bwMode="auto">
+          <a:xfrm>
+            <a:off x="-26170" y="0"/>
+            <a:ext cx="13030969" cy="8640652"/>
+          </a:xfrm>
+          <a:prstGeom prst="rect">
+            <a:avLst/>
+          </a:prstGeom>
+          <a:noFill/>
+          <a:extLst>
+            <a:ext uri="{909E8E84-426E-40DD-AFC4-6F175D3DCCD1}">
+              <a14:hiddenFill xmlns:a14="http://schemas.microsoft.com/office/drawing/2010/main">
+                <a:solidFill>
+                  <a:srgbClr val="FFFFFF"/>
+                </a:solidFill>
+              </a14:hiddenFill>
+            </a:ext>
+          </a:extLst>
+        </p:spPr>
+      </p:pic>
+      <p:pic>
+        <p:nvPicPr>
+          <p:cNvPr id="1026" name="Picture 2"/>
+          <p:cNvPicPr>
+            <a:picLocks noChangeAspect="1" noChangeArrowheads="1"/>
+          </p:cNvPicPr>
+          <p:nvPr/>
+        </p:nvPicPr>
+        <p:blipFill>
+          <a:blip r:embed="rId3">
+            <a:extLst>
+              <a:ext uri="{28A0092B-C50C-407E-A947-70E740481C1C}">
+                <a14:useLocalDpi xmlns:a14="http://schemas.microsoft.com/office/drawing/2010/main" val="0"/>
+              </a:ext>
+            </a:extLst>
+          </a:blip>
+          <a:srcRect/>
+          <a:stretch>
+            <a:fillRect/>
+          </a:stretch>
+        </p:blipFill>
+        <p:spPr bwMode="auto">
+          <a:xfrm>
+            <a:off x="813768" y="24264"/>
+            <a:ext cx="8485187" cy="7323137"/>
+          </a:xfrm>
+          <a:prstGeom prst="rect">
+            <a:avLst/>
+          </a:prstGeom>
+          <a:noFill/>
+          <a:ln>
+            <a:noFill/>
+          </a:ln>
+          <a:effectLst/>
+          <a:extLst>
+            <a:ext uri="{909E8E84-426E-40DD-AFC4-6F175D3DCCD1}">
+              <a14:hiddenFill xmlns:a14="http://schemas.microsoft.com/office/drawing/2010/main">
+                <a:solidFill>
+                  <a:schemeClr val="accent1"/>
+                </a:solidFill>
+              </a14:hiddenFill>
+            </a:ext>
+            <a:ext uri="{91240B29-F687-4F45-9708-019B960494DF}">
+              <a14:hiddenLine xmlns:a14="http://schemas.microsoft.com/office/drawing/2010/main" w="9525">
+                <a:solidFill>
+                  <a:schemeClr val="tx1"/>
+                </a:solidFill>
+                <a:miter lim="800000"/>
+                <a:headEnd/>
+                <a:tailEnd/>
+              </a14:hiddenLine>
+            </a:ext>
+            <a:ext uri="{AF507438-7753-43E0-B8FC-AC1667EBCBE1}">
+              <a14:hiddenEffects xmlns:a14="http://schemas.microsoft.com/office/drawing/2010/main">
+                <a:effectLst>
+                  <a:outerShdw dist="35921" dir="2700000" algn="ctr" rotWithShape="0">
+                    <a:schemeClr val="bg2"/>
+                  </a:outerShdw>
+                </a:effectLst>
+              </a14:hiddenEffects>
+            </a:ext>
+          </a:extLst>
+        </p:spPr>
+      </p:pic>
+    </p:spTree>
+    <p:extLst>
+      <p:ext uri="{BB962C8B-B14F-4D97-AF65-F5344CB8AC3E}">
+        <p14:creationId xmlns:p14="http://schemas.microsoft.com/office/powerpoint/2010/main" val="816942324"/>
+      </p:ext>
+    </p:extLst>
+  </p:cSld>
+  <p:clrMapOvr>
+    <a:masterClrMapping/>
+  </p:clrMapOvr>
+  <p:timing>
+    <p:tnLst>
+      <p:par>
+        <p:cTn id="1" dur="indefinite" restart="never" nodeType="tmRoot"/>
+      </p:par>
+    </p:tnLst>
+  </p:timing>
+</p:sld>
+</file>
+
+<file path=ppt/slides/slide4.xml><?xml version="1.0" encoding="utf-8"?>
 <p:sld xmlns:a="http://schemas.openxmlformats.org/drawingml/2006/main" xmlns:r="http://schemas.openxmlformats.org/officeDocument/2006/relationships" xmlns:p="http://schemas.openxmlformats.org/presentationml/2006/main">
   <p:cSld>
     <p:spTree>
@@ -11087,7 +11234,7 @@
 </p:sld>
 </file>
 
-<file path=ppt/slides/slide4.xml><?xml version="1.0" encoding="utf-8"?>
+<file path=ppt/slides/slide5.xml><?xml version="1.0" encoding="utf-8"?>
 <p:sld xmlns:a="http://schemas.openxmlformats.org/drawingml/2006/main" xmlns:r="http://schemas.openxmlformats.org/officeDocument/2006/relationships" xmlns:p="http://schemas.openxmlformats.org/presentationml/2006/main">
   <p:cSld>
     <p:spTree>
@@ -11336,746 +11483,6 @@
     <p:extLst>
       <p:ext uri="{BB962C8B-B14F-4D97-AF65-F5344CB8AC3E}">
         <p14:creationId xmlns:p14="http://schemas.microsoft.com/office/powerpoint/2010/main" val="2892699160"/>
-      </p:ext>
-    </p:extLst>
-  </p:cSld>
-  <p:clrMapOvr>
-    <a:masterClrMapping/>
-  </p:clrMapOvr>
-  <p:timing>
-    <p:tnLst>
-      <p:par>
-        <p:cTn id="1" dur="indefinite" restart="never" nodeType="tmRoot">
-          <p:childTnLst>
-            <p:seq concurrent="1" nextAc="seek">
-              <p:cTn id="2" dur="indefinite" nodeType="mainSeq">
-                <p:childTnLst>
-                  <p:par>
-                    <p:cTn id="3" fill="hold">
-                      <p:stCondLst>
-                        <p:cond delay="indefinite"/>
-                        <p:cond evt="onBegin" delay="0">
-                          <p:tn val="2"/>
-                        </p:cond>
-                      </p:stCondLst>
-                      <p:childTnLst>
-                        <p:par>
-                          <p:cTn id="4" fill="hold">
-                            <p:stCondLst>
-                              <p:cond delay="0"/>
-                            </p:stCondLst>
-                            <p:childTnLst>
-                              <p:par>
-                                <p:cTn id="5" presetID="22" presetClass="entr" presetSubtype="8" fill="hold" nodeType="withEffect">
-                                  <p:stCondLst>
-                                    <p:cond delay="0"/>
-                                  </p:stCondLst>
-                                  <p:childTnLst>
-                                    <p:set>
-                                      <p:cBhvr>
-                                        <p:cTn id="6" dur="1" fill="hold">
-                                          <p:stCondLst>
-                                            <p:cond delay="0"/>
-                                          </p:stCondLst>
-                                        </p:cTn>
-                                        <p:tgtEl>
-                                          <p:spTgt spid="8"/>
-                                        </p:tgtEl>
-                                        <p:attrNameLst>
-                                          <p:attrName>style.visibility</p:attrName>
-                                        </p:attrNameLst>
-                                      </p:cBhvr>
-                                      <p:to>
-                                        <p:strVal val="visible"/>
-                                      </p:to>
-                                    </p:set>
-                                    <p:animEffect transition="in" filter="wipe(left)">
-                                      <p:cBhvr>
-                                        <p:cTn id="7" dur="1000"/>
-                                        <p:tgtEl>
-                                          <p:spTgt spid="8"/>
-                                        </p:tgtEl>
-                                      </p:cBhvr>
-                                    </p:animEffect>
-                                  </p:childTnLst>
-                                </p:cTn>
-                              </p:par>
-                              <p:par>
-                                <p:cTn id="8" presetID="10" presetClass="entr" presetSubtype="0" fill="hold" grpId="0" nodeType="withEffect">
-                                  <p:stCondLst>
-                                    <p:cond delay="0"/>
-                                  </p:stCondLst>
-                                  <p:iterate type="lt">
-                                    <p:tmPct val="10000"/>
-                                  </p:iterate>
-                                  <p:childTnLst>
-                                    <p:set>
-                                      <p:cBhvr>
-                                        <p:cTn id="9" dur="1" fill="hold">
-                                          <p:stCondLst>
-                                            <p:cond delay="0"/>
-                                          </p:stCondLst>
-                                        </p:cTn>
-                                        <p:tgtEl>
-                                          <p:spTgt spid="10"/>
-                                        </p:tgtEl>
-                                        <p:attrNameLst>
-                                          <p:attrName>style.visibility</p:attrName>
-                                        </p:attrNameLst>
-                                      </p:cBhvr>
-                                      <p:to>
-                                        <p:strVal val="visible"/>
-                                      </p:to>
-                                    </p:set>
-                                    <p:animEffect transition="in" filter="fade">
-                                      <p:cBhvr>
-                                        <p:cTn id="10" dur="500"/>
-                                        <p:tgtEl>
-                                          <p:spTgt spid="10"/>
-                                        </p:tgtEl>
-                                      </p:cBhvr>
-                                    </p:animEffect>
-                                  </p:childTnLst>
-                                </p:cTn>
-                              </p:par>
-                              <p:par>
-                                <p:cTn id="11" presetID="22" presetClass="entr" presetSubtype="8" fill="hold" nodeType="withEffect">
-                                  <p:stCondLst>
-                                    <p:cond delay="0"/>
-                                  </p:stCondLst>
-                                  <p:childTnLst>
-                                    <p:set>
-                                      <p:cBhvr>
-                                        <p:cTn id="12" dur="1" fill="hold">
-                                          <p:stCondLst>
-                                            <p:cond delay="0"/>
-                                          </p:stCondLst>
-                                        </p:cTn>
-                                        <p:tgtEl>
-                                          <p:spTgt spid="12"/>
-                                        </p:tgtEl>
-                                        <p:attrNameLst>
-                                          <p:attrName>style.visibility</p:attrName>
-                                        </p:attrNameLst>
-                                      </p:cBhvr>
-                                      <p:to>
-                                        <p:strVal val="visible"/>
-                                      </p:to>
-                                    </p:set>
-                                    <p:animEffect transition="in" filter="wipe(left)">
-                                      <p:cBhvr>
-                                        <p:cTn id="13" dur="1000"/>
-                                        <p:tgtEl>
-                                          <p:spTgt spid="12"/>
-                                        </p:tgtEl>
-                                      </p:cBhvr>
-                                    </p:animEffect>
-                                  </p:childTnLst>
-                                </p:cTn>
-                              </p:par>
-                            </p:childTnLst>
-                          </p:cTn>
-                        </p:par>
-                      </p:childTnLst>
-                    </p:cTn>
-                  </p:par>
-                </p:childTnLst>
-              </p:cTn>
-              <p:prevCondLst>
-                <p:cond evt="onPrev" delay="0">
-                  <p:tgtEl>
-                    <p:sldTgt/>
-                  </p:tgtEl>
-                </p:cond>
-              </p:prevCondLst>
-              <p:nextCondLst>
-                <p:cond evt="onNext" delay="0">
-                  <p:tgtEl>
-                    <p:sldTgt/>
-                  </p:tgtEl>
-                </p:cond>
-              </p:nextCondLst>
-            </p:seq>
-          </p:childTnLst>
-        </p:cTn>
-      </p:par>
-    </p:tnLst>
-    <p:bldLst>
-      <p:bldP spid="10" grpId="0"/>
-    </p:bldLst>
-  </p:timing>
-</p:sld>
-</file>
-
-<file path=ppt/slides/slide5.xml><?xml version="1.0" encoding="utf-8"?>
-<p:sld xmlns:a="http://schemas.openxmlformats.org/drawingml/2006/main" xmlns:r="http://schemas.openxmlformats.org/officeDocument/2006/relationships" xmlns:p="http://schemas.openxmlformats.org/presentationml/2006/main">
-  <p:cSld>
-    <p:spTree>
-      <p:nvGrpSpPr>
-        <p:cNvPr id="1" name=""/>
-        <p:cNvGrpSpPr/>
-        <p:nvPr/>
-      </p:nvGrpSpPr>
-      <p:grpSpPr>
-        <a:xfrm>
-          <a:off x="0" y="0"/>
-          <a:ext cx="0" cy="0"/>
-          <a:chOff x="0" y="0"/>
-          <a:chExt cx="0" cy="0"/>
-        </a:xfrm>
-      </p:grpSpPr>
-      <p:pic>
-        <p:nvPicPr>
-          <p:cNvPr id="1027" name="Picture 3" descr="E:\工作\0530\银色系列\1.jpg"/>
-          <p:cNvPicPr>
-            <a:picLocks noChangeAspect="1" noChangeArrowheads="1"/>
-          </p:cNvPicPr>
-          <p:nvPr/>
-        </p:nvPicPr>
-        <p:blipFill>
-          <a:blip r:embed="rId2">
-            <a:extLst>
-              <a:ext uri="{28A0092B-C50C-407E-A947-70E740481C1C}">
-                <a14:useLocalDpi xmlns:a14="http://schemas.microsoft.com/office/drawing/2010/main" val="0"/>
-              </a:ext>
-            </a:extLst>
-          </a:blip>
-          <a:srcRect/>
-          <a:stretch>
-            <a:fillRect/>
-          </a:stretch>
-        </p:blipFill>
-        <p:spPr bwMode="auto">
-          <a:xfrm>
-            <a:off x="-8156" y="-39944"/>
-            <a:ext cx="13030969" cy="8640652"/>
-          </a:xfrm>
-          <a:prstGeom prst="rect">
-            <a:avLst/>
-          </a:prstGeom>
-          <a:extLst>
-            <a:ext uri="{909E8E84-426E-40DD-AFC4-6F175D3DCCD1}">
-              <a14:hiddenFill xmlns:a14="http://schemas.microsoft.com/office/drawing/2010/main">
-                <a:solidFill>
-                  <a:srgbClr val="FFFFFF"/>
-                </a:solidFill>
-              </a14:hiddenFill>
-            </a:ext>
-          </a:extLst>
-        </p:spPr>
-      </p:pic>
-      <p:cxnSp>
-        <p:nvCxnSpPr>
-          <p:cNvPr id="8" name="直接连接符 7"/>
-          <p:cNvCxnSpPr/>
-          <p:nvPr/>
-        </p:nvCxnSpPr>
-        <p:spPr>
-          <a:xfrm>
-            <a:off x="448547" y="927274"/>
-            <a:ext cx="11367663" cy="0"/>
-          </a:xfrm>
-          <a:prstGeom prst="line">
-            <a:avLst/>
-          </a:prstGeom>
-          <a:ln>
-            <a:solidFill>
-              <a:schemeClr val="tx1">
-                <a:lumMod val="50000"/>
-                <a:lumOff val="50000"/>
-              </a:schemeClr>
-            </a:solidFill>
-          </a:ln>
-        </p:spPr>
-        <p:style>
-          <a:lnRef idx="1">
-            <a:schemeClr val="accent1"/>
-          </a:lnRef>
-          <a:fillRef idx="0">
-            <a:schemeClr val="accent1"/>
-          </a:fillRef>
-          <a:effectRef idx="0">
-            <a:schemeClr val="accent1"/>
-          </a:effectRef>
-          <a:fontRef idx="minor">
-            <a:schemeClr val="tx1"/>
-          </a:fontRef>
-        </p:style>
-      </p:cxnSp>
-      <p:sp>
-        <p:nvSpPr>
-          <p:cNvPr id="10" name="文本框 13"/>
-          <p:cNvSpPr txBox="1"/>
-          <p:nvPr/>
-        </p:nvSpPr>
-        <p:spPr>
-          <a:xfrm>
-            <a:off x="381720" y="-446"/>
-            <a:ext cx="15989242" cy="801897"/>
-          </a:xfrm>
-          <a:prstGeom prst="rect">
-            <a:avLst/>
-          </a:prstGeom>
-          <a:noFill/>
-        </p:spPr>
-        <p:txBody>
-          <a:bodyPr wrap="square" lIns="123581" tIns="61791" rIns="123581" bIns="61791" rtlCol="0">
-            <a:spAutoFit/>
-          </a:bodyPr>
-          <a:lstStyle/>
-          <a:p>
-            <a:r>
-              <a:rPr lang="en-US" altLang="zh-CN" sz="4400" dirty="0" smtClean="0">
-                <a:solidFill>
-                  <a:srgbClr val="0070C0"/>
-                </a:solidFill>
-                <a:latin typeface="黑体" panose="02010609060101010101" pitchFamily="49" charset="-122"/>
-                <a:ea typeface="黑体" panose="02010609060101010101" pitchFamily="49" charset="-122"/>
-              </a:rPr>
-              <a:t>API</a:t>
-            </a:r>
-            <a:r>
-              <a:rPr lang="zh-CN" altLang="en-US" sz="4400" dirty="0" smtClean="0">
-                <a:solidFill>
-                  <a:srgbClr val="0070C0"/>
-                </a:solidFill>
-                <a:latin typeface="黑体" panose="02010609060101010101" pitchFamily="49" charset="-122"/>
-                <a:ea typeface="黑体" panose="02010609060101010101" pitchFamily="49" charset="-122"/>
-              </a:rPr>
-              <a:t>经济的特点</a:t>
-            </a:r>
-            <a:endParaRPr lang="zh-CN" altLang="en-US" sz="4400" dirty="0">
-              <a:solidFill>
-                <a:srgbClr val="0070C0"/>
-              </a:solidFill>
-              <a:latin typeface="黑体" panose="02010609060101010101" pitchFamily="49" charset="-122"/>
-              <a:ea typeface="黑体" panose="02010609060101010101" pitchFamily="49" charset="-122"/>
-            </a:endParaRPr>
-          </a:p>
-        </p:txBody>
-      </p:sp>
-      <p:cxnSp>
-        <p:nvCxnSpPr>
-          <p:cNvPr id="12" name="直接连接符 11"/>
-          <p:cNvCxnSpPr/>
-          <p:nvPr/>
-        </p:nvCxnSpPr>
-        <p:spPr>
-          <a:xfrm>
-            <a:off x="448547" y="927274"/>
-            <a:ext cx="11367663" cy="0"/>
-          </a:xfrm>
-          <a:prstGeom prst="line">
-            <a:avLst/>
-          </a:prstGeom>
-          <a:ln>
-            <a:solidFill>
-              <a:schemeClr val="tx1">
-                <a:lumMod val="50000"/>
-                <a:lumOff val="50000"/>
-              </a:schemeClr>
-            </a:solidFill>
-          </a:ln>
-        </p:spPr>
-        <p:style>
-          <a:lnRef idx="1">
-            <a:schemeClr val="accent1"/>
-          </a:lnRef>
-          <a:fillRef idx="0">
-            <a:schemeClr val="accent1"/>
-          </a:fillRef>
-          <a:effectRef idx="0">
-            <a:schemeClr val="accent1"/>
-          </a:effectRef>
-          <a:fontRef idx="minor">
-            <a:schemeClr val="tx1"/>
-          </a:fontRef>
-        </p:style>
-      </p:cxnSp>
-      <p:sp>
-        <p:nvSpPr>
-          <p:cNvPr id="1028" name="文本框 1027"/>
-          <p:cNvSpPr txBox="1"/>
-          <p:nvPr/>
-        </p:nvSpPr>
-        <p:spPr>
-          <a:xfrm>
-            <a:off x="5027998" y="5047382"/>
-            <a:ext cx="725130" cy="400110"/>
-          </a:xfrm>
-          <a:prstGeom prst="rect">
-            <a:avLst/>
-          </a:prstGeom>
-          <a:noFill/>
-        </p:spPr>
-        <p:txBody>
-          <a:bodyPr wrap="square" rtlCol="0">
-            <a:spAutoFit/>
-          </a:bodyPr>
-          <a:lstStyle/>
-          <a:p>
-            <a:pPr algn="ctr"/>
-            <a:r>
-              <a:rPr lang="zh-CN" altLang="en-US" sz="2000" dirty="0">
-                <a:solidFill>
-                  <a:schemeClr val="lt1"/>
-                </a:solidFill>
-              </a:rPr>
-              <a:t>流量</a:t>
-            </a:r>
-          </a:p>
-        </p:txBody>
-      </p:sp>
-      <p:graphicFrame>
-        <p:nvGraphicFramePr>
-          <p:cNvPr id="6" name="图示 5"/>
-          <p:cNvGraphicFramePr/>
-          <p:nvPr>
-            <p:extLst>
-              <p:ext uri="{D42A27DB-BD31-4B8C-83A1-F6EECF244321}">
-                <p14:modId xmlns:p14="http://schemas.microsoft.com/office/powerpoint/2010/main" val="855902763"/>
-              </p:ext>
-            </p:extLst>
-          </p:nvPr>
-        </p:nvGraphicFramePr>
-        <p:xfrm>
-          <a:off x="-238975" y="2146839"/>
-          <a:ext cx="4910007" cy="3344809"/>
-        </p:xfrm>
-        <a:graphic>
-          <a:graphicData uri="http://schemas.openxmlformats.org/drawingml/2006/diagram">
-            <dgm:relIds xmlns:dgm="http://schemas.openxmlformats.org/drawingml/2006/diagram" xmlns:r="http://schemas.openxmlformats.org/officeDocument/2006/relationships" r:dm="rId3" r:lo="rId4" r:qs="rId5" r:cs="rId6"/>
-          </a:graphicData>
-        </a:graphic>
-      </p:graphicFrame>
-      <p:sp>
-        <p:nvSpPr>
-          <p:cNvPr id="18" name="矩形 17"/>
-          <p:cNvSpPr/>
-          <p:nvPr/>
-        </p:nvSpPr>
-        <p:spPr>
-          <a:xfrm>
-            <a:off x="4901851" y="2306343"/>
-            <a:ext cx="1487009" cy="761250"/>
-          </a:xfrm>
-          <a:prstGeom prst="rect">
-            <a:avLst/>
-          </a:prstGeom>
-        </p:spPr>
-        <p:style>
-          <a:lnRef idx="2">
-            <a:schemeClr val="accent5"/>
-          </a:lnRef>
-          <a:fillRef idx="1">
-            <a:schemeClr val="lt1"/>
-          </a:fillRef>
-          <a:effectRef idx="0">
-            <a:schemeClr val="accent5"/>
-          </a:effectRef>
-          <a:fontRef idx="minor">
-            <a:schemeClr val="dk1"/>
-          </a:fontRef>
-        </p:style>
-        <p:txBody>
-          <a:bodyPr rtlCol="0" anchor="ctr"/>
-          <a:lstStyle/>
-          <a:p>
-            <a:pPr lvl="0" algn="ctr"/>
-            <a:r>
-              <a:rPr lang="zh-CN" altLang="zh-CN" sz="2000" dirty="0">
-                <a:latin typeface="黑体" panose="02010609060101010101" pitchFamily="49" charset="-122"/>
-                <a:ea typeface="黑体" panose="02010609060101010101" pitchFamily="49" charset="-122"/>
-              </a:rPr>
-              <a:t>开放式</a:t>
-            </a:r>
-            <a:endParaRPr lang="zh-CN" altLang="en-US" sz="2000" dirty="0">
-              <a:latin typeface="黑体" panose="02010609060101010101" pitchFamily="49" charset="-122"/>
-              <a:ea typeface="黑体" panose="02010609060101010101" pitchFamily="49" charset="-122"/>
-            </a:endParaRPr>
-          </a:p>
-        </p:txBody>
-      </p:sp>
-      <p:sp>
-        <p:nvSpPr>
-          <p:cNvPr id="21" name="矩形 20"/>
-          <p:cNvSpPr/>
-          <p:nvPr/>
-        </p:nvSpPr>
-        <p:spPr>
-          <a:xfrm>
-            <a:off x="4890839" y="3306565"/>
-            <a:ext cx="1487009" cy="761250"/>
-          </a:xfrm>
-          <a:prstGeom prst="rect">
-            <a:avLst/>
-          </a:prstGeom>
-        </p:spPr>
-        <p:style>
-          <a:lnRef idx="2">
-            <a:schemeClr val="accent5"/>
-          </a:lnRef>
-          <a:fillRef idx="1">
-            <a:schemeClr val="lt1"/>
-          </a:fillRef>
-          <a:effectRef idx="0">
-            <a:schemeClr val="accent5"/>
-          </a:effectRef>
-          <a:fontRef idx="minor">
-            <a:schemeClr val="dk1"/>
-          </a:fontRef>
-        </p:style>
-        <p:txBody>
-          <a:bodyPr rtlCol="0" anchor="ctr"/>
-          <a:lstStyle/>
-          <a:p>
-            <a:pPr algn="ctr"/>
-            <a:r>
-              <a:rPr lang="zh-CN" altLang="zh-CN" sz="2000" dirty="0">
-                <a:solidFill>
-                  <a:schemeClr val="dk1"/>
-                </a:solidFill>
-                <a:latin typeface="黑体" panose="02010609060101010101" pitchFamily="49" charset="-122"/>
-                <a:ea typeface="黑体" panose="02010609060101010101" pitchFamily="49" charset="-122"/>
-              </a:rPr>
-              <a:t>价值重塑</a:t>
-            </a:r>
-            <a:endParaRPr lang="zh-CN" altLang="en-US" sz="2000" dirty="0">
-              <a:solidFill>
-                <a:schemeClr val="dk1"/>
-              </a:solidFill>
-              <a:latin typeface="黑体" panose="02010609060101010101" pitchFamily="49" charset="-122"/>
-              <a:ea typeface="黑体" panose="02010609060101010101" pitchFamily="49" charset="-122"/>
-            </a:endParaRPr>
-          </a:p>
-        </p:txBody>
-      </p:sp>
-      <p:sp>
-        <p:nvSpPr>
-          <p:cNvPr id="22" name="矩形 21"/>
-          <p:cNvSpPr/>
-          <p:nvPr/>
-        </p:nvSpPr>
-        <p:spPr>
-          <a:xfrm>
-            <a:off x="4890839" y="4306787"/>
-            <a:ext cx="1487009" cy="1045934"/>
-          </a:xfrm>
-          <a:prstGeom prst="rect">
-            <a:avLst/>
-          </a:prstGeom>
-        </p:spPr>
-        <p:style>
-          <a:lnRef idx="2">
-            <a:schemeClr val="accent5"/>
-          </a:lnRef>
-          <a:fillRef idx="1">
-            <a:schemeClr val="lt1"/>
-          </a:fillRef>
-          <a:effectRef idx="0">
-            <a:schemeClr val="accent5"/>
-          </a:effectRef>
-          <a:fontRef idx="minor">
-            <a:schemeClr val="dk1"/>
-          </a:fontRef>
-        </p:style>
-        <p:txBody>
-          <a:bodyPr rtlCol="0" anchor="ctr"/>
-          <a:lstStyle/>
-          <a:p>
-            <a:pPr algn="ctr"/>
-            <a:r>
-              <a:rPr lang="zh-CN" altLang="zh-CN" sz="2000" dirty="0">
-                <a:solidFill>
-                  <a:schemeClr val="dk1"/>
-                </a:solidFill>
-                <a:latin typeface="黑体" panose="02010609060101010101" pitchFamily="49" charset="-122"/>
-                <a:ea typeface="黑体" panose="02010609060101010101" pitchFamily="49" charset="-122"/>
-              </a:rPr>
-              <a:t>跨界</a:t>
-            </a:r>
-            <a:endParaRPr lang="zh-CN" altLang="en-US" sz="2000" dirty="0">
-              <a:solidFill>
-                <a:schemeClr val="dk1"/>
-              </a:solidFill>
-              <a:latin typeface="黑体" panose="02010609060101010101" pitchFamily="49" charset="-122"/>
-              <a:ea typeface="黑体" panose="02010609060101010101" pitchFamily="49" charset="-122"/>
-            </a:endParaRPr>
-          </a:p>
-        </p:txBody>
-      </p:sp>
-      <p:sp>
-        <p:nvSpPr>
-          <p:cNvPr id="23" name="矩形 22"/>
-          <p:cNvSpPr/>
-          <p:nvPr/>
-        </p:nvSpPr>
-        <p:spPr>
-          <a:xfrm>
-            <a:off x="6524363" y="2318989"/>
-            <a:ext cx="5718533" cy="761250"/>
-          </a:xfrm>
-          <a:prstGeom prst="rect">
-            <a:avLst/>
-          </a:prstGeom>
-        </p:spPr>
-        <p:style>
-          <a:lnRef idx="2">
-            <a:schemeClr val="accent5">
-              <a:shade val="50000"/>
-            </a:schemeClr>
-          </a:lnRef>
-          <a:fillRef idx="1">
-            <a:schemeClr val="accent5"/>
-          </a:fillRef>
-          <a:effectRef idx="0">
-            <a:schemeClr val="accent5"/>
-          </a:effectRef>
-          <a:fontRef idx="minor">
-            <a:schemeClr val="lt1"/>
-          </a:fontRef>
-        </p:style>
-        <p:txBody>
-          <a:bodyPr rtlCol="0" anchor="ctr"/>
-          <a:lstStyle/>
-          <a:p>
-            <a:pPr lvl="0"/>
-            <a:r>
-              <a:rPr lang="zh-CN" altLang="zh-CN" sz="1800" dirty="0"/>
-              <a:t>把拥有的数据，服务和业务能力以</a:t>
-            </a:r>
-            <a:r>
-              <a:rPr lang="en-US" altLang="zh-CN" sz="1800" dirty="0"/>
-              <a:t>API</a:t>
-            </a:r>
-            <a:r>
-              <a:rPr lang="zh-CN" altLang="zh-CN" sz="1800" dirty="0"/>
-              <a:t>的形式开放给第三方</a:t>
-            </a:r>
-          </a:p>
-        </p:txBody>
-      </p:sp>
-      <p:sp>
-        <p:nvSpPr>
-          <p:cNvPr id="24" name="矩形 23"/>
-          <p:cNvSpPr/>
-          <p:nvPr/>
-        </p:nvSpPr>
-        <p:spPr>
-          <a:xfrm>
-            <a:off x="6513351" y="3319211"/>
-            <a:ext cx="5718533" cy="761250"/>
-          </a:xfrm>
-          <a:prstGeom prst="rect">
-            <a:avLst/>
-          </a:prstGeom>
-        </p:spPr>
-        <p:style>
-          <a:lnRef idx="2">
-            <a:schemeClr val="accent5">
-              <a:shade val="50000"/>
-            </a:schemeClr>
-          </a:lnRef>
-          <a:fillRef idx="1">
-            <a:schemeClr val="accent5"/>
-          </a:fillRef>
-          <a:effectRef idx="0">
-            <a:schemeClr val="accent5"/>
-          </a:effectRef>
-          <a:fontRef idx="minor">
-            <a:schemeClr val="lt1"/>
-          </a:fontRef>
-        </p:style>
-        <p:txBody>
-          <a:bodyPr rtlCol="0" anchor="ctr"/>
-          <a:lstStyle/>
-          <a:p>
-            <a:r>
-              <a:rPr lang="zh-CN" altLang="zh-CN" sz="1800" dirty="0">
-                <a:solidFill>
-                  <a:schemeClr val="lt1"/>
-                </a:solidFill>
-              </a:rPr>
-              <a:t>与第三方实现业务能力的互联互通，与第三方实现共生共赢的新的</a:t>
-            </a:r>
-            <a:r>
-              <a:rPr lang="zh-CN" altLang="zh-CN" sz="1800" dirty="0" smtClean="0">
-                <a:solidFill>
-                  <a:schemeClr val="lt1"/>
-                </a:solidFill>
-              </a:rPr>
-              <a:t>价值</a:t>
-            </a:r>
-            <a:r>
-              <a:rPr lang="zh-CN" altLang="en-US" sz="1800" dirty="0"/>
-              <a:t>观</a:t>
-            </a:r>
-            <a:endParaRPr lang="zh-CN" altLang="zh-CN" sz="1800" dirty="0">
-              <a:solidFill>
-                <a:schemeClr val="lt1"/>
-              </a:solidFill>
-            </a:endParaRPr>
-          </a:p>
-        </p:txBody>
-      </p:sp>
-      <p:sp>
-        <p:nvSpPr>
-          <p:cNvPr id="25" name="矩形 24"/>
-          <p:cNvSpPr/>
-          <p:nvPr/>
-        </p:nvSpPr>
-        <p:spPr>
-          <a:xfrm>
-            <a:off x="6513351" y="4319433"/>
-            <a:ext cx="5718533" cy="1033288"/>
-          </a:xfrm>
-          <a:prstGeom prst="rect">
-            <a:avLst/>
-          </a:prstGeom>
-        </p:spPr>
-        <p:style>
-          <a:lnRef idx="2">
-            <a:schemeClr val="accent5">
-              <a:shade val="50000"/>
-            </a:schemeClr>
-          </a:lnRef>
-          <a:fillRef idx="1">
-            <a:schemeClr val="accent5"/>
-          </a:fillRef>
-          <a:effectRef idx="0">
-            <a:schemeClr val="accent5"/>
-          </a:effectRef>
-          <a:fontRef idx="minor">
-            <a:schemeClr val="lt1"/>
-          </a:fontRef>
-        </p:style>
-        <p:txBody>
-          <a:bodyPr rtlCol="0" anchor="ctr"/>
-          <a:lstStyle/>
-          <a:p>
-            <a:r>
-              <a:rPr lang="en-US" altLang="zh-CN" sz="1800" dirty="0">
-                <a:solidFill>
-                  <a:schemeClr val="lt1"/>
-                </a:solidFill>
-              </a:rPr>
-              <a:t>API</a:t>
-            </a:r>
-            <a:r>
-              <a:rPr lang="zh-CN" altLang="zh-CN" sz="1800" dirty="0">
-                <a:solidFill>
-                  <a:schemeClr val="lt1"/>
-                </a:solidFill>
-              </a:rPr>
-              <a:t>公开在互联网，来自互联网的第三方可以是形形色色的各个领域的企业，双方形成平台式的互联网连接模式</a:t>
-            </a:r>
-          </a:p>
-        </p:txBody>
-      </p:sp>
-    </p:spTree>
-    <p:extLst>
-      <p:ext uri="{BB962C8B-B14F-4D97-AF65-F5344CB8AC3E}">
-        <p14:creationId xmlns:p14="http://schemas.microsoft.com/office/powerpoint/2010/main" val="897796425"/>
       </p:ext>
     </p:extLst>
   </p:cSld>
@@ -12293,7 +11700,6 @@
           <a:prstGeom prst="rect">
             <a:avLst/>
           </a:prstGeom>
-          <a:noFill/>
           <a:extLst>
             <a:ext uri="{909E8E84-426E-40DD-AFC4-6F175D3DCCD1}">
               <a14:hiddenFill xmlns:a14="http://schemas.microsoft.com/office/drawing/2010/main">
@@ -12366,7 +11772,7 @@
           <a:lstStyle/>
           <a:p>
             <a:r>
-              <a:rPr lang="en-US" altLang="zh-CN" sz="4400" dirty="0">
+              <a:rPr lang="en-US" altLang="zh-CN" sz="4400" dirty="0" smtClean="0">
                 <a:solidFill>
                   <a:srgbClr val="0070C0"/>
                 </a:solidFill>
@@ -12383,7 +11789,7 @@
                 <a:latin typeface="黑体" panose="02010609060101010101" pitchFamily="49" charset="-122"/>
                 <a:ea typeface="黑体" panose="02010609060101010101" pitchFamily="49" charset="-122"/>
               </a:rPr>
-              <a:t>经济的收费标准</a:t>
+              <a:t>经济的特点</a:t>
             </a:r>
             <a:endParaRPr lang="zh-CN" altLang="en-US" sz="4400" dirty="0">
               <a:solidFill>
@@ -12435,74 +11841,84 @@
       </p:cxnSp>
       <p:sp>
         <p:nvSpPr>
-          <p:cNvPr id="3" name="椭圆 2"/>
+          <p:cNvPr id="1028" name="文本框 1027"/>
+          <p:cNvSpPr txBox="1"/>
+          <p:nvPr/>
+        </p:nvSpPr>
+        <p:spPr>
+          <a:xfrm>
+            <a:off x="5027998" y="5047382"/>
+            <a:ext cx="725130" cy="400110"/>
+          </a:xfrm>
+          <a:prstGeom prst="rect">
+            <a:avLst/>
+          </a:prstGeom>
+          <a:noFill/>
+        </p:spPr>
+        <p:txBody>
+          <a:bodyPr wrap="square" rtlCol="0">
+            <a:spAutoFit/>
+          </a:bodyPr>
+          <a:lstStyle/>
+          <a:p>
+            <a:pPr algn="ctr"/>
+            <a:r>
+              <a:rPr lang="zh-CN" altLang="en-US" sz="2000" dirty="0">
+                <a:solidFill>
+                  <a:schemeClr val="lt1"/>
+                </a:solidFill>
+              </a:rPr>
+              <a:t>流量</a:t>
+            </a:r>
+          </a:p>
+        </p:txBody>
+      </p:sp>
+      <p:graphicFrame>
+        <p:nvGraphicFramePr>
+          <p:cNvPr id="6" name="图示 5"/>
+          <p:cNvGraphicFramePr/>
+          <p:nvPr>
+            <p:extLst>
+              <p:ext uri="{D42A27DB-BD31-4B8C-83A1-F6EECF244321}">
+                <p14:modId xmlns:p14="http://schemas.microsoft.com/office/powerpoint/2010/main" val="855902763"/>
+              </p:ext>
+            </p:extLst>
+          </p:nvPr>
+        </p:nvGraphicFramePr>
+        <p:xfrm>
+          <a:off x="-238975" y="2146839"/>
+          <a:ext cx="4910007" cy="3344809"/>
+        </p:xfrm>
+        <a:graphic>
+          <a:graphicData uri="http://schemas.openxmlformats.org/drawingml/2006/diagram">
+            <dgm:relIds xmlns:dgm="http://schemas.openxmlformats.org/drawingml/2006/diagram" xmlns:r="http://schemas.openxmlformats.org/officeDocument/2006/relationships" r:dm="rId3" r:lo="rId4" r:qs="rId5" r:cs="rId6"/>
+          </a:graphicData>
+        </a:graphic>
+      </p:graphicFrame>
+      <p:sp>
+        <p:nvSpPr>
+          <p:cNvPr id="18" name="矩形 17"/>
           <p:cNvSpPr/>
           <p:nvPr/>
         </p:nvSpPr>
         <p:spPr>
           <a:xfrm>
-            <a:off x="1141516" y="2699157"/>
-            <a:ext cx="2088232" cy="2088232"/>
+            <a:off x="4901851" y="2306343"/>
+            <a:ext cx="1487009" cy="761250"/>
           </a:xfrm>
-          <a:prstGeom prst="ellipse">
+          <a:prstGeom prst="rect">
             <a:avLst/>
           </a:prstGeom>
-          <a:ln w="57150"/>
         </p:spPr>
         <p:style>
           <a:lnRef idx="2">
-            <a:schemeClr val="accent4">
-              <a:shade val="50000"/>
-            </a:schemeClr>
-          </a:lnRef>
-          <a:fillRef idx="1">
-            <a:schemeClr val="accent4"/>
-          </a:fillRef>
-          <a:effectRef idx="0">
-            <a:schemeClr val="accent4"/>
-          </a:effectRef>
-          <a:fontRef idx="minor">
-            <a:schemeClr val="lt1"/>
-          </a:fontRef>
-        </p:style>
-        <p:txBody>
-          <a:bodyPr rtlCol="0" anchor="ctr"/>
-          <a:lstStyle/>
-          <a:p>
-            <a:pPr algn="ctr"/>
-            <a:r>
-              <a:rPr lang="en-US" altLang="zh-CN" sz="3600" dirty="0" smtClean="0"/>
-              <a:t>APIs</a:t>
-            </a:r>
-            <a:endParaRPr lang="en-US" altLang="zh-CN" dirty="0" smtClean="0"/>
-          </a:p>
-        </p:txBody>
-      </p:sp>
-      <p:sp>
-        <p:nvSpPr>
-          <p:cNvPr id="11" name="椭圆 10"/>
-          <p:cNvSpPr/>
-          <p:nvPr/>
-        </p:nvSpPr>
-        <p:spPr>
-          <a:xfrm>
-            <a:off x="8573181" y="1414436"/>
-            <a:ext cx="1296144" cy="1296144"/>
-          </a:xfrm>
-          <a:prstGeom prst="ellipse">
-            <a:avLst/>
-          </a:prstGeom>
-          <a:ln w="57150"/>
-        </p:spPr>
-        <p:style>
-          <a:lnRef idx="2">
-            <a:schemeClr val="accent6"/>
+            <a:schemeClr val="accent5"/>
           </a:lnRef>
           <a:fillRef idx="1">
             <a:schemeClr val="lt1"/>
           </a:fillRef>
           <a:effectRef idx="0">
-            <a:schemeClr val="accent6"/>
+            <a:schemeClr val="accent5"/>
           </a:effectRef>
           <a:fontRef idx="minor">
             <a:schemeClr val="dk1"/>
@@ -12512,431 +11928,18 @@
           <a:bodyPr rtlCol="0" anchor="ctr"/>
           <a:lstStyle/>
           <a:p>
-            <a:pPr algn="ctr"/>
-            <a:r>
-              <a:rPr lang="en-US" altLang="zh-CN" sz="4000" dirty="0" smtClean="0"/>
-              <a:t>$</a:t>
-            </a:r>
-            <a:endParaRPr lang="zh-CN" altLang="en-US" sz="4000" dirty="0"/>
-          </a:p>
-        </p:txBody>
-      </p:sp>
-      <p:sp>
-        <p:nvSpPr>
-          <p:cNvPr id="13" name="椭圆 12"/>
-          <p:cNvSpPr/>
-          <p:nvPr/>
-        </p:nvSpPr>
-        <p:spPr>
-          <a:xfrm>
-            <a:off x="8573181" y="4340295"/>
-            <a:ext cx="1296144" cy="1296144"/>
-          </a:xfrm>
-          <a:prstGeom prst="ellipse">
-            <a:avLst/>
-          </a:prstGeom>
-          <a:ln w="57150"/>
-        </p:spPr>
-        <p:style>
-          <a:lnRef idx="2">
-            <a:schemeClr val="accent6"/>
-          </a:lnRef>
-          <a:fillRef idx="1">
-            <a:schemeClr val="lt1"/>
-          </a:fillRef>
-          <a:effectRef idx="0">
-            <a:schemeClr val="accent6"/>
-          </a:effectRef>
-          <a:fontRef idx="minor">
-            <a:schemeClr val="dk1"/>
-          </a:fontRef>
-        </p:style>
-        <p:txBody>
-          <a:bodyPr rtlCol="0" anchor="ctr"/>
-          <a:lstStyle/>
-          <a:p>
-            <a:pPr algn="ctr"/>
-            <a:r>
-              <a:rPr lang="en-US" altLang="zh-CN" sz="4000" dirty="0">
-                <a:solidFill>
-                  <a:schemeClr val="dk1"/>
-                </a:solidFill>
+            <a:pPr lvl="0" algn="ctr"/>
+            <a:r>
+              <a:rPr lang="zh-CN" altLang="zh-CN" sz="2000" dirty="0">
+                <a:latin typeface="黑体" panose="02010609060101010101" pitchFamily="49" charset="-122"/>
+                <a:ea typeface="黑体" panose="02010609060101010101" pitchFamily="49" charset="-122"/>
               </a:rPr>
-              <a:t>$</a:t>
-            </a:r>
-            <a:endParaRPr lang="zh-CN" altLang="en-US" sz="4000" dirty="0">
-              <a:solidFill>
-                <a:schemeClr val="dk1"/>
-              </a:solidFill>
+              <a:t>开放式</a:t>
+            </a:r>
+            <a:endParaRPr lang="zh-CN" altLang="en-US" sz="2000" dirty="0">
+              <a:latin typeface="黑体" panose="02010609060101010101" pitchFamily="49" charset="-122"/>
+              <a:ea typeface="黑体" panose="02010609060101010101" pitchFamily="49" charset="-122"/>
             </a:endParaRPr>
-          </a:p>
-        </p:txBody>
-      </p:sp>
-      <p:cxnSp>
-        <p:nvCxnSpPr>
-          <p:cNvPr id="6" name="直接连接符 5"/>
-          <p:cNvCxnSpPr/>
-          <p:nvPr/>
-        </p:nvCxnSpPr>
-        <p:spPr>
-          <a:xfrm>
-            <a:off x="6258943" y="1935550"/>
-            <a:ext cx="2314238" cy="0"/>
-          </a:xfrm>
-          <a:prstGeom prst="line">
-            <a:avLst/>
-          </a:prstGeom>
-          <a:ln w="9525" cap="flat" cmpd="sng" algn="ctr">
-            <a:solidFill>
-              <a:schemeClr val="accent2"/>
-            </a:solidFill>
-            <a:prstDash val="dash"/>
-            <a:round/>
-            <a:headEnd type="none" w="med" len="med"/>
-            <a:tailEnd type="none" w="med" len="med"/>
-          </a:ln>
-        </p:spPr>
-        <p:style>
-          <a:lnRef idx="0">
-            <a:scrgbClr r="0" g="0" b="0"/>
-          </a:lnRef>
-          <a:fillRef idx="0">
-            <a:scrgbClr r="0" g="0" b="0"/>
-          </a:fillRef>
-          <a:effectRef idx="0">
-            <a:scrgbClr r="0" g="0" b="0"/>
-          </a:effectRef>
-          <a:fontRef idx="minor">
-            <a:schemeClr val="tx1"/>
-          </a:fontRef>
-        </p:style>
-      </p:cxnSp>
-      <p:cxnSp>
-        <p:nvCxnSpPr>
-          <p:cNvPr id="14" name="直接连接符 13"/>
-          <p:cNvCxnSpPr/>
-          <p:nvPr/>
-        </p:nvCxnSpPr>
-        <p:spPr>
-          <a:xfrm>
-            <a:off x="6258943" y="2079566"/>
-            <a:ext cx="2314238" cy="0"/>
-          </a:xfrm>
-          <a:prstGeom prst="line">
-            <a:avLst/>
-          </a:prstGeom>
-          <a:ln w="9525" cap="flat" cmpd="sng" algn="ctr">
-            <a:solidFill>
-              <a:schemeClr val="accent2"/>
-            </a:solidFill>
-            <a:prstDash val="dash"/>
-            <a:round/>
-            <a:headEnd type="none" w="med" len="med"/>
-            <a:tailEnd type="none" w="med" len="med"/>
-          </a:ln>
-        </p:spPr>
-        <p:style>
-          <a:lnRef idx="0">
-            <a:scrgbClr r="0" g="0" b="0"/>
-          </a:lnRef>
-          <a:fillRef idx="0">
-            <a:scrgbClr r="0" g="0" b="0"/>
-          </a:fillRef>
-          <a:effectRef idx="0">
-            <a:scrgbClr r="0" g="0" b="0"/>
-          </a:effectRef>
-          <a:fontRef idx="minor">
-            <a:schemeClr val="tx1"/>
-          </a:fontRef>
-        </p:style>
-      </p:cxnSp>
-      <p:cxnSp>
-        <p:nvCxnSpPr>
-          <p:cNvPr id="15" name="直接连接符 14"/>
-          <p:cNvCxnSpPr/>
-          <p:nvPr/>
-        </p:nvCxnSpPr>
-        <p:spPr>
-          <a:xfrm>
-            <a:off x="6186935" y="2223582"/>
-            <a:ext cx="2386246" cy="0"/>
-          </a:xfrm>
-          <a:prstGeom prst="line">
-            <a:avLst/>
-          </a:prstGeom>
-          <a:ln w="9525" cap="flat" cmpd="sng" algn="ctr">
-            <a:solidFill>
-              <a:schemeClr val="accent2"/>
-            </a:solidFill>
-            <a:prstDash val="dash"/>
-            <a:round/>
-            <a:headEnd type="none" w="med" len="med"/>
-            <a:tailEnd type="none" w="med" len="med"/>
-          </a:ln>
-        </p:spPr>
-        <p:style>
-          <a:lnRef idx="0">
-            <a:scrgbClr r="0" g="0" b="0"/>
-          </a:lnRef>
-          <a:fillRef idx="0">
-            <a:scrgbClr r="0" g="0" b="0"/>
-          </a:fillRef>
-          <a:effectRef idx="0">
-            <a:scrgbClr r="0" g="0" b="0"/>
-          </a:effectRef>
-          <a:fontRef idx="minor">
-            <a:schemeClr val="tx1"/>
-          </a:fontRef>
-        </p:style>
-      </p:cxnSp>
-      <p:cxnSp>
-        <p:nvCxnSpPr>
-          <p:cNvPr id="17" name="直接连接符 16"/>
-          <p:cNvCxnSpPr/>
-          <p:nvPr/>
-        </p:nvCxnSpPr>
-        <p:spPr>
-          <a:xfrm>
-            <a:off x="6258943" y="4887878"/>
-            <a:ext cx="2314238" cy="0"/>
-          </a:xfrm>
-          <a:prstGeom prst="line">
-            <a:avLst/>
-          </a:prstGeom>
-          <a:ln w="9525" cap="flat" cmpd="sng" algn="ctr">
-            <a:solidFill>
-              <a:schemeClr val="accent2"/>
-            </a:solidFill>
-            <a:prstDash val="dash"/>
-            <a:round/>
-            <a:headEnd type="none" w="med" len="med"/>
-            <a:tailEnd type="none" w="med" len="med"/>
-          </a:ln>
-        </p:spPr>
-        <p:style>
-          <a:lnRef idx="0">
-            <a:scrgbClr r="0" g="0" b="0"/>
-          </a:lnRef>
-          <a:fillRef idx="0">
-            <a:scrgbClr r="0" g="0" b="0"/>
-          </a:fillRef>
-          <a:effectRef idx="0">
-            <a:scrgbClr r="0" g="0" b="0"/>
-          </a:effectRef>
-          <a:fontRef idx="minor">
-            <a:schemeClr val="tx1"/>
-          </a:fontRef>
-        </p:style>
-      </p:cxnSp>
-      <p:cxnSp>
-        <p:nvCxnSpPr>
-          <p:cNvPr id="18" name="直接连接符 17"/>
-          <p:cNvCxnSpPr/>
-          <p:nvPr/>
-        </p:nvCxnSpPr>
-        <p:spPr>
-          <a:xfrm>
-            <a:off x="6258943" y="5031894"/>
-            <a:ext cx="2314238" cy="0"/>
-          </a:xfrm>
-          <a:prstGeom prst="line">
-            <a:avLst/>
-          </a:prstGeom>
-          <a:ln w="9525" cap="flat" cmpd="sng" algn="ctr">
-            <a:solidFill>
-              <a:schemeClr val="accent2"/>
-            </a:solidFill>
-            <a:prstDash val="dash"/>
-            <a:round/>
-            <a:headEnd type="none" w="med" len="med"/>
-            <a:tailEnd type="none" w="med" len="med"/>
-          </a:ln>
-        </p:spPr>
-        <p:style>
-          <a:lnRef idx="0">
-            <a:scrgbClr r="0" g="0" b="0"/>
-          </a:lnRef>
-          <a:fillRef idx="0">
-            <a:scrgbClr r="0" g="0" b="0"/>
-          </a:fillRef>
-          <a:effectRef idx="0">
-            <a:scrgbClr r="0" g="0" b="0"/>
-          </a:effectRef>
-          <a:fontRef idx="minor">
-            <a:schemeClr val="tx1"/>
-          </a:fontRef>
-        </p:style>
-      </p:cxnSp>
-      <p:cxnSp>
-        <p:nvCxnSpPr>
-          <p:cNvPr id="19" name="直接连接符 18"/>
-          <p:cNvCxnSpPr/>
-          <p:nvPr/>
-        </p:nvCxnSpPr>
-        <p:spPr>
-          <a:xfrm>
-            <a:off x="6186935" y="5175910"/>
-            <a:ext cx="2386246" cy="0"/>
-          </a:xfrm>
-          <a:prstGeom prst="line">
-            <a:avLst/>
-          </a:prstGeom>
-          <a:ln w="9525" cap="flat" cmpd="sng" algn="ctr">
-            <a:solidFill>
-              <a:schemeClr val="accent2"/>
-            </a:solidFill>
-            <a:prstDash val="dash"/>
-            <a:round/>
-            <a:headEnd type="none" w="med" len="med"/>
-            <a:tailEnd type="none" w="med" len="med"/>
-          </a:ln>
-        </p:spPr>
-        <p:style>
-          <a:lnRef idx="0">
-            <a:scrgbClr r="0" g="0" b="0"/>
-          </a:lnRef>
-          <a:fillRef idx="0">
-            <a:scrgbClr r="0" g="0" b="0"/>
-          </a:fillRef>
-          <a:effectRef idx="0">
-            <a:scrgbClr r="0" g="0" b="0"/>
-          </a:effectRef>
-          <a:fontRef idx="minor">
-            <a:schemeClr val="tx1"/>
-          </a:fontRef>
-        </p:style>
-      </p:cxnSp>
-      <p:sp>
-        <p:nvSpPr>
-          <p:cNvPr id="4" name="椭圆 3"/>
-          <p:cNvSpPr/>
-          <p:nvPr/>
-        </p:nvSpPr>
-        <p:spPr>
-          <a:xfrm>
-            <a:off x="4962799" y="1403013"/>
-            <a:ext cx="1296144" cy="1296144"/>
-          </a:xfrm>
-          <a:prstGeom prst="ellipse">
-            <a:avLst/>
-          </a:prstGeom>
-          <a:ln w="57150"/>
-        </p:spPr>
-        <p:style>
-          <a:lnRef idx="2">
-            <a:schemeClr val="accent6"/>
-          </a:lnRef>
-          <a:fillRef idx="1">
-            <a:schemeClr val="lt1"/>
-          </a:fillRef>
-          <a:effectRef idx="0">
-            <a:schemeClr val="accent6"/>
-          </a:effectRef>
-          <a:fontRef idx="minor">
-            <a:schemeClr val="dk1"/>
-          </a:fontRef>
-        </p:style>
-        <p:txBody>
-          <a:bodyPr rtlCol="0" anchor="ctr"/>
-          <a:lstStyle/>
-          <a:p>
-            <a:pPr algn="ctr"/>
-            <a:endParaRPr lang="zh-CN" altLang="en-US" sz="4000">
-              <a:solidFill>
-                <a:schemeClr val="dk1"/>
-              </a:solidFill>
-            </a:endParaRPr>
-          </a:p>
-        </p:txBody>
-      </p:sp>
-      <p:sp>
-        <p:nvSpPr>
-          <p:cNvPr id="9" name="椭圆 8"/>
-          <p:cNvSpPr/>
-          <p:nvPr/>
-        </p:nvSpPr>
-        <p:spPr>
-          <a:xfrm>
-            <a:off x="4962799" y="4328872"/>
-            <a:ext cx="1296144" cy="1296144"/>
-          </a:xfrm>
-          <a:prstGeom prst="ellipse">
-            <a:avLst/>
-          </a:prstGeom>
-          <a:ln w="57150"/>
-        </p:spPr>
-        <p:style>
-          <a:lnRef idx="2">
-            <a:schemeClr val="accent6"/>
-          </a:lnRef>
-          <a:fillRef idx="1">
-            <a:schemeClr val="lt1"/>
-          </a:fillRef>
-          <a:effectRef idx="0">
-            <a:schemeClr val="accent6"/>
-          </a:effectRef>
-          <a:fontRef idx="minor">
-            <a:schemeClr val="dk1"/>
-          </a:fontRef>
-        </p:style>
-        <p:txBody>
-          <a:bodyPr rtlCol="0" anchor="ctr"/>
-          <a:lstStyle/>
-          <a:p>
-            <a:pPr algn="ctr"/>
-            <a:endParaRPr lang="zh-CN" altLang="en-US" sz="4000">
-              <a:solidFill>
-                <a:schemeClr val="dk1"/>
-              </a:solidFill>
-            </a:endParaRPr>
-          </a:p>
-        </p:txBody>
-      </p:sp>
-      <p:sp>
-        <p:nvSpPr>
-          <p:cNvPr id="16" name="矩形 15"/>
-          <p:cNvSpPr/>
-          <p:nvPr/>
-        </p:nvSpPr>
-        <p:spPr>
-          <a:xfrm>
-            <a:off x="5278264" y="1575510"/>
-            <a:ext cx="678281" cy="242932"/>
-          </a:xfrm>
-          <a:prstGeom prst="rect">
-            <a:avLst/>
-          </a:prstGeom>
-        </p:spPr>
-        <p:style>
-          <a:lnRef idx="2">
-            <a:schemeClr val="accent3">
-              <a:shade val="50000"/>
-            </a:schemeClr>
-          </a:lnRef>
-          <a:fillRef idx="1">
-            <a:schemeClr val="accent3"/>
-          </a:fillRef>
-          <a:effectRef idx="0">
-            <a:schemeClr val="accent3"/>
-          </a:effectRef>
-          <a:fontRef idx="minor">
-            <a:schemeClr val="lt1"/>
-          </a:fontRef>
-        </p:style>
-        <p:txBody>
-          <a:bodyPr rtlCol="0" anchor="ctr"/>
-          <a:lstStyle/>
-          <a:p>
-            <a:pPr algn="ctr"/>
-            <a:r>
-              <a:rPr lang="zh-CN" altLang="en-US" sz="1200" dirty="0" smtClean="0"/>
-              <a:t>功能</a:t>
-            </a:r>
-            <a:r>
-              <a:rPr lang="en-US" altLang="zh-CN" sz="1200" dirty="0"/>
-              <a:t>1</a:t>
-            </a:r>
-            <a:endParaRPr lang="zh-CN" altLang="en-US" sz="1200" dirty="0"/>
           </a:p>
         </p:txBody>
       </p:sp>
@@ -12948,8 +11951,8 @@
         </p:nvSpPr>
         <p:spPr>
           <a:xfrm>
-            <a:off x="5280433" y="1935550"/>
-            <a:ext cx="678281" cy="242932"/>
+            <a:off x="4890839" y="3306565"/>
+            <a:ext cx="1487009" cy="761250"/>
           </a:xfrm>
           <a:prstGeom prst="rect">
             <a:avLst/>
@@ -12957,18 +11960,16 @@
         </p:spPr>
         <p:style>
           <a:lnRef idx="2">
-            <a:schemeClr val="accent3">
-              <a:shade val="50000"/>
-            </a:schemeClr>
+            <a:schemeClr val="accent5"/>
           </a:lnRef>
           <a:fillRef idx="1">
-            <a:schemeClr val="accent3"/>
+            <a:schemeClr val="lt1"/>
           </a:fillRef>
           <a:effectRef idx="0">
-            <a:schemeClr val="accent3"/>
+            <a:schemeClr val="accent5"/>
           </a:effectRef>
           <a:fontRef idx="minor">
-            <a:schemeClr val="lt1"/>
+            <a:schemeClr val="dk1"/>
           </a:fontRef>
         </p:style>
         <p:txBody>
@@ -12977,14 +11978,22 @@
           <a:p>
             <a:pPr algn="ctr"/>
             <a:r>
-              <a:rPr lang="zh-CN" altLang="en-US" sz="1200" dirty="0" smtClean="0"/>
-              <a:t>功能</a:t>
-            </a:r>
-            <a:r>
-              <a:rPr lang="en-US" altLang="zh-CN" sz="1200" dirty="0" smtClean="0"/>
-              <a:t>2</a:t>
-            </a:r>
-            <a:endParaRPr lang="zh-CN" altLang="en-US" sz="1200" dirty="0"/>
+              <a:rPr lang="zh-CN" altLang="zh-CN" sz="2000" dirty="0">
+                <a:solidFill>
+                  <a:schemeClr val="dk1"/>
+                </a:solidFill>
+                <a:latin typeface="黑体" panose="02010609060101010101" pitchFamily="49" charset="-122"/>
+                <a:ea typeface="黑体" panose="02010609060101010101" pitchFamily="49" charset="-122"/>
+              </a:rPr>
+              <a:t>价值重塑</a:t>
+            </a:r>
+            <a:endParaRPr lang="zh-CN" altLang="en-US" sz="2000" dirty="0">
+              <a:solidFill>
+                <a:schemeClr val="dk1"/>
+              </a:solidFill>
+              <a:latin typeface="黑体" panose="02010609060101010101" pitchFamily="49" charset="-122"/>
+              <a:ea typeface="黑体" panose="02010609060101010101" pitchFamily="49" charset="-122"/>
+            </a:endParaRPr>
           </a:p>
         </p:txBody>
       </p:sp>
@@ -12996,8 +12005,8 @@
         </p:nvSpPr>
         <p:spPr>
           <a:xfrm>
-            <a:off x="5280433" y="2268682"/>
-            <a:ext cx="678281" cy="242932"/>
+            <a:off x="4890839" y="4306787"/>
+            <a:ext cx="1487009" cy="1045934"/>
           </a:xfrm>
           <a:prstGeom prst="rect">
             <a:avLst/>
@@ -13005,18 +12014,16 @@
         </p:spPr>
         <p:style>
           <a:lnRef idx="2">
-            <a:schemeClr val="accent3">
-              <a:shade val="50000"/>
-            </a:schemeClr>
+            <a:schemeClr val="accent5"/>
           </a:lnRef>
           <a:fillRef idx="1">
-            <a:schemeClr val="accent3"/>
+            <a:schemeClr val="lt1"/>
           </a:fillRef>
           <a:effectRef idx="0">
-            <a:schemeClr val="accent3"/>
+            <a:schemeClr val="accent5"/>
           </a:effectRef>
           <a:fontRef idx="minor">
-            <a:schemeClr val="lt1"/>
+            <a:schemeClr val="dk1"/>
           </a:fontRef>
         </p:style>
         <p:txBody>
@@ -13025,29 +12032,37 @@
           <a:p>
             <a:pPr algn="ctr"/>
             <a:r>
-              <a:rPr lang="zh-CN" altLang="en-US" sz="1200" dirty="0" smtClean="0"/>
-              <a:t>功能</a:t>
-            </a:r>
-            <a:r>
-              <a:rPr lang="en-US" altLang="zh-CN" sz="1200" dirty="0" smtClean="0"/>
-              <a:t>3</a:t>
-            </a:r>
-            <a:endParaRPr lang="zh-CN" altLang="en-US" sz="1200" dirty="0"/>
+              <a:rPr lang="zh-CN" altLang="zh-CN" sz="2000" dirty="0">
+                <a:solidFill>
+                  <a:schemeClr val="dk1"/>
+                </a:solidFill>
+                <a:latin typeface="黑体" panose="02010609060101010101" pitchFamily="49" charset="-122"/>
+                <a:ea typeface="黑体" panose="02010609060101010101" pitchFamily="49" charset="-122"/>
+              </a:rPr>
+              <a:t>跨界</a:t>
+            </a:r>
+            <a:endParaRPr lang="zh-CN" altLang="en-US" sz="2000" dirty="0">
+              <a:solidFill>
+                <a:schemeClr val="dk1"/>
+              </a:solidFill>
+              <a:latin typeface="黑体" panose="02010609060101010101" pitchFamily="49" charset="-122"/>
+              <a:ea typeface="黑体" panose="02010609060101010101" pitchFamily="49" charset="-122"/>
+            </a:endParaRPr>
           </a:p>
         </p:txBody>
       </p:sp>
       <p:sp>
         <p:nvSpPr>
-          <p:cNvPr id="24" name="弦形 23"/>
+          <p:cNvPr id="23" name="矩形 22"/>
           <p:cNvSpPr/>
           <p:nvPr/>
         </p:nvSpPr>
         <p:spPr>
-          <a:xfrm rot="17500446">
-            <a:off x="5056320" y="4422643"/>
-            <a:ext cx="1108601" cy="1108601"/>
+          <a:xfrm>
+            <a:off x="6524363" y="2318989"/>
+            <a:ext cx="5718533" cy="761250"/>
           </a:xfrm>
-          <a:prstGeom prst="chord">
+          <a:prstGeom prst="rect">
             <a:avLst/>
           </a:prstGeom>
         </p:spPr>
@@ -13071,371 +12086,143 @@
           <a:bodyPr rtlCol="0" anchor="ctr"/>
           <a:lstStyle/>
           <a:p>
-            <a:pPr algn="ctr"/>
-            <a:endParaRPr lang="zh-CN" altLang="en-US" dirty="0"/>
-          </a:p>
-        </p:txBody>
-      </p:sp>
-      <p:cxnSp>
-        <p:nvCxnSpPr>
-          <p:cNvPr id="26" name="直接连接符 25"/>
-          <p:cNvCxnSpPr/>
-          <p:nvPr/>
-        </p:nvCxnSpPr>
-        <p:spPr>
-          <a:xfrm flipH="1">
-            <a:off x="3193744" y="2178482"/>
-            <a:ext cx="1769056" cy="1269094"/>
-          </a:xfrm>
-          <a:prstGeom prst="line">
-            <a:avLst/>
-          </a:prstGeom>
-          <a:ln w="28575"/>
-        </p:spPr>
-        <p:style>
-          <a:lnRef idx="1">
-            <a:schemeClr val="accent2"/>
-          </a:lnRef>
-          <a:fillRef idx="0">
-            <a:schemeClr val="accent2"/>
-          </a:fillRef>
-          <a:effectRef idx="0">
-            <a:schemeClr val="accent2"/>
-          </a:effectRef>
-          <a:fontRef idx="minor">
-            <a:schemeClr val="tx1"/>
-          </a:fontRef>
-        </p:style>
-      </p:cxnSp>
-      <p:cxnSp>
-        <p:nvCxnSpPr>
-          <p:cNvPr id="28" name="直接连接符 27"/>
-          <p:cNvCxnSpPr>
-            <a:stCxn id="9" idx="2"/>
-          </p:cNvCxnSpPr>
-          <p:nvPr/>
-        </p:nvCxnSpPr>
-        <p:spPr>
-          <a:xfrm flipH="1" flipV="1">
-            <a:off x="3193744" y="4034482"/>
-            <a:ext cx="1769055" cy="942462"/>
-          </a:xfrm>
-          <a:prstGeom prst="line">
-            <a:avLst/>
-          </a:prstGeom>
-          <a:ln w="28575"/>
-        </p:spPr>
-        <p:style>
-          <a:lnRef idx="1">
-            <a:schemeClr val="accent2"/>
-          </a:lnRef>
-          <a:fillRef idx="0">
-            <a:schemeClr val="accent2"/>
-          </a:fillRef>
-          <a:effectRef idx="0">
-            <a:schemeClr val="accent2"/>
-          </a:effectRef>
-          <a:fontRef idx="minor">
-            <a:schemeClr val="tx1"/>
-          </a:fontRef>
-        </p:style>
-      </p:cxnSp>
-      <p:sp>
-        <p:nvSpPr>
-          <p:cNvPr id="1028" name="文本框 1027"/>
-          <p:cNvSpPr txBox="1"/>
-          <p:nvPr/>
-        </p:nvSpPr>
-        <p:spPr>
-          <a:xfrm>
-            <a:off x="5248055" y="4887878"/>
-            <a:ext cx="725130" cy="400110"/>
-          </a:xfrm>
-          <a:prstGeom prst="rect">
-            <a:avLst/>
-          </a:prstGeom>
-          <a:noFill/>
-        </p:spPr>
-        <p:txBody>
-          <a:bodyPr wrap="square" rtlCol="0">
-            <a:spAutoFit/>
-          </a:bodyPr>
-          <a:lstStyle/>
-          <a:p>
-            <a:pPr algn="ctr"/>
-            <a:r>
-              <a:rPr lang="zh-CN" altLang="en-US" sz="2000" dirty="0">
-                <a:solidFill>
-                  <a:schemeClr val="lt1"/>
-                </a:solidFill>
-              </a:rPr>
-              <a:t>流量</a:t>
+            <a:pPr lvl="0"/>
+            <a:r>
+              <a:rPr lang="zh-CN" altLang="zh-CN" sz="1800" dirty="0"/>
+              <a:t>把拥有的数据，服务和业务能力以</a:t>
+            </a:r>
+            <a:r>
+              <a:rPr lang="en-US" altLang="zh-CN" sz="1800" dirty="0"/>
+              <a:t>API</a:t>
+            </a:r>
+            <a:r>
+              <a:rPr lang="zh-CN" altLang="zh-CN" sz="1800" dirty="0"/>
+              <a:t>的形式开放给第三方</a:t>
             </a:r>
           </a:p>
         </p:txBody>
       </p:sp>
       <p:sp>
         <p:nvSpPr>
-          <p:cNvPr id="1029" name="矩形 1028"/>
+          <p:cNvPr id="24" name="矩形 23"/>
           <p:cNvSpPr/>
           <p:nvPr/>
         </p:nvSpPr>
         <p:spPr>
           <a:xfrm>
-            <a:off x="903961" y="1667306"/>
-            <a:ext cx="2832827" cy="461665"/>
+            <a:off x="6513351" y="3319211"/>
+            <a:ext cx="5718533" cy="761250"/>
           </a:xfrm>
           <a:prstGeom prst="rect">
             <a:avLst/>
           </a:prstGeom>
         </p:spPr>
+        <p:style>
+          <a:lnRef idx="2">
+            <a:schemeClr val="accent5">
+              <a:shade val="50000"/>
+            </a:schemeClr>
+          </a:lnRef>
+          <a:fillRef idx="1">
+            <a:schemeClr val="accent5"/>
+          </a:fillRef>
+          <a:effectRef idx="0">
+            <a:schemeClr val="accent5"/>
+          </a:effectRef>
+          <a:fontRef idx="minor">
+            <a:schemeClr val="lt1"/>
+          </a:fontRef>
+        </p:style>
         <p:txBody>
-          <a:bodyPr wrap="none">
-            <a:spAutoFit/>
-          </a:bodyPr>
+          <a:bodyPr rtlCol="0" anchor="ctr"/>
           <a:lstStyle/>
           <a:p>
             <a:r>
-              <a:rPr lang="en-US" altLang="zh-CN" dirty="0">
+              <a:rPr lang="zh-CN" altLang="zh-CN" sz="1800" dirty="0">
                 <a:solidFill>
-                  <a:srgbClr val="555555"/>
+                  <a:schemeClr val="lt1"/>
                 </a:solidFill>
-                <a:latin typeface="Microsoft YaHei" panose="020B0503020204020204" pitchFamily="34" charset="-122"/>
-                <a:ea typeface="Microsoft YaHei" panose="020B0503020204020204" pitchFamily="34" charset="-122"/>
               </a:rPr>
-              <a:t>API</a:t>
-            </a:r>
-            <a:r>
-              <a:rPr lang="zh-CN" altLang="en-US" dirty="0">
+              <a:t>与第三方实现业务能力的互联互通，与第三方实现共生共赢的新的</a:t>
+            </a:r>
+            <a:r>
+              <a:rPr lang="zh-CN" altLang="zh-CN" sz="1800" dirty="0" smtClean="0">
                 <a:solidFill>
-                  <a:srgbClr val="555555"/>
+                  <a:schemeClr val="lt1"/>
                 </a:solidFill>
-                <a:latin typeface="Microsoft YaHei" panose="020B0503020204020204" pitchFamily="34" charset="-122"/>
-                <a:ea typeface="Microsoft YaHei" panose="020B0503020204020204" pitchFamily="34" charset="-122"/>
               </a:rPr>
-              <a:t>有两种收费标准</a:t>
-            </a:r>
-            <a:endParaRPr lang="zh-CN" altLang="en-US" dirty="0"/>
+              <a:t>价值</a:t>
+            </a:r>
+            <a:r>
+              <a:rPr lang="zh-CN" altLang="en-US" sz="1800" dirty="0"/>
+              <a:t>观</a:t>
+            </a:r>
+            <a:endParaRPr lang="zh-CN" altLang="zh-CN" sz="1800" dirty="0">
+              <a:solidFill>
+                <a:schemeClr val="lt1"/>
+              </a:solidFill>
+            </a:endParaRPr>
           </a:p>
         </p:txBody>
       </p:sp>
       <p:sp>
         <p:nvSpPr>
-          <p:cNvPr id="1030" name="矩形 1029"/>
+          <p:cNvPr id="25" name="矩形 24"/>
           <p:cNvSpPr/>
           <p:nvPr/>
         </p:nvSpPr>
         <p:spPr>
           <a:xfrm>
-            <a:off x="6588752" y="4321379"/>
-            <a:ext cx="1415772" cy="461665"/>
+            <a:off x="6513351" y="4319433"/>
+            <a:ext cx="5718533" cy="1033288"/>
           </a:xfrm>
           <a:prstGeom prst="rect">
             <a:avLst/>
           </a:prstGeom>
         </p:spPr>
+        <p:style>
+          <a:lnRef idx="2">
+            <a:schemeClr val="accent5">
+              <a:shade val="50000"/>
+            </a:schemeClr>
+          </a:lnRef>
+          <a:fillRef idx="1">
+            <a:schemeClr val="accent5"/>
+          </a:fillRef>
+          <a:effectRef idx="0">
+            <a:schemeClr val="accent5"/>
+          </a:effectRef>
+          <a:fontRef idx="minor">
+            <a:schemeClr val="lt1"/>
+          </a:fontRef>
+        </p:style>
         <p:txBody>
-          <a:bodyPr wrap="none">
-            <a:spAutoFit/>
-          </a:bodyPr>
+          <a:bodyPr rtlCol="0" anchor="ctr"/>
           <a:lstStyle/>
           <a:p>
             <a:r>
-              <a:rPr lang="zh-CN" altLang="en-US" dirty="0" smtClean="0">
+              <a:rPr lang="en-US" altLang="zh-CN" sz="1800" dirty="0">
                 <a:solidFill>
-                  <a:srgbClr val="555555"/>
+                  <a:schemeClr val="lt1"/>
                 </a:solidFill>
-                <a:latin typeface="Microsoft YaHei" panose="020B0503020204020204" pitchFamily="34" charset="-122"/>
-                <a:ea typeface="Microsoft YaHei" panose="020B0503020204020204" pitchFamily="34" charset="-122"/>
-              </a:rPr>
-              <a:t>按</a:t>
-            </a:r>
-            <a:r>
-              <a:rPr lang="zh-CN" altLang="en-US" dirty="0">
-                <a:solidFill>
-                  <a:srgbClr val="555555"/>
-                </a:solidFill>
-                <a:latin typeface="Microsoft YaHei" panose="020B0503020204020204" pitchFamily="34" charset="-122"/>
-                <a:ea typeface="Microsoft YaHei" panose="020B0503020204020204" pitchFamily="34" charset="-122"/>
-              </a:rPr>
-              <a:t>量计费</a:t>
-            </a:r>
-            <a:endParaRPr lang="zh-CN" altLang="en-US" dirty="0"/>
-          </a:p>
-        </p:txBody>
-      </p:sp>
-      <p:sp>
-        <p:nvSpPr>
-          <p:cNvPr id="1031" name="矩形 1030"/>
-          <p:cNvSpPr/>
-          <p:nvPr/>
-        </p:nvSpPr>
-        <p:spPr>
-          <a:xfrm>
-            <a:off x="6518283" y="1398141"/>
-            <a:ext cx="1723549" cy="461665"/>
-          </a:xfrm>
-          <a:prstGeom prst="rect">
-            <a:avLst/>
-          </a:prstGeom>
-        </p:spPr>
-        <p:txBody>
-          <a:bodyPr wrap="none">
-            <a:spAutoFit/>
-          </a:bodyPr>
-          <a:lstStyle/>
-          <a:p>
-            <a:r>
-              <a:rPr lang="zh-CN" altLang="en-US" dirty="0" smtClean="0">
-                <a:solidFill>
-                  <a:srgbClr val="555555"/>
-                </a:solidFill>
-                <a:latin typeface="Microsoft YaHei" panose="020B0503020204020204" pitchFamily="34" charset="-122"/>
-                <a:ea typeface="Microsoft YaHei" panose="020B0503020204020204" pitchFamily="34" charset="-122"/>
-              </a:rPr>
-              <a:t>按</a:t>
-            </a:r>
-            <a:r>
-              <a:rPr lang="zh-CN" altLang="en-US" dirty="0">
-                <a:solidFill>
-                  <a:srgbClr val="555555"/>
-                </a:solidFill>
-                <a:latin typeface="Microsoft YaHei" panose="020B0503020204020204" pitchFamily="34" charset="-122"/>
-                <a:ea typeface="Microsoft YaHei" panose="020B0503020204020204" pitchFamily="34" charset="-122"/>
-              </a:rPr>
-              <a:t>功能</a:t>
-            </a:r>
-            <a:r>
-              <a:rPr lang="zh-CN" altLang="en-US" dirty="0" smtClean="0">
-                <a:solidFill>
-                  <a:srgbClr val="555555"/>
-                </a:solidFill>
-                <a:latin typeface="Microsoft YaHei" panose="020B0503020204020204" pitchFamily="34" charset="-122"/>
-                <a:ea typeface="Microsoft YaHei" panose="020B0503020204020204" pitchFamily="34" charset="-122"/>
-              </a:rPr>
-              <a:t>计费</a:t>
-            </a:r>
-            <a:endParaRPr lang="zh-CN" altLang="en-US" dirty="0"/>
-          </a:p>
-        </p:txBody>
-      </p:sp>
-      <p:sp>
-        <p:nvSpPr>
-          <p:cNvPr id="1032" name="矩形 1031"/>
-          <p:cNvSpPr/>
-          <p:nvPr/>
-        </p:nvSpPr>
-        <p:spPr>
-          <a:xfrm>
-            <a:off x="1286574" y="6492519"/>
-            <a:ext cx="9220320" cy="1569660"/>
-          </a:xfrm>
-          <a:prstGeom prst="rect">
-            <a:avLst/>
-          </a:prstGeom>
-        </p:spPr>
-        <p:txBody>
-          <a:bodyPr wrap="square">
-            <a:spAutoFit/>
-          </a:bodyPr>
-          <a:lstStyle/>
-          <a:p>
-            <a:r>
-              <a:rPr lang="zh-CN" altLang="en-US" dirty="0" smtClean="0">
-                <a:solidFill>
-                  <a:srgbClr val="555555"/>
-                </a:solidFill>
-                <a:latin typeface="Microsoft YaHei" panose="020B0503020204020204" pitchFamily="34" charset="-122"/>
-                <a:ea typeface="Microsoft YaHei" panose="020B0503020204020204" pitchFamily="34" charset="-122"/>
-              </a:rPr>
-              <a:t>按功能：</a:t>
-            </a:r>
-            <a:r>
-              <a:rPr lang="en-US" altLang="zh-CN" dirty="0" smtClean="0">
-                <a:solidFill>
-                  <a:srgbClr val="555555"/>
-                </a:solidFill>
-                <a:latin typeface="Microsoft YaHei" panose="020B0503020204020204" pitchFamily="34" charset="-122"/>
-                <a:ea typeface="Microsoft YaHei" panose="020B0503020204020204" pitchFamily="34" charset="-122"/>
               </a:rPr>
               <a:t>API</a:t>
             </a:r>
             <a:r>
-              <a:rPr lang="zh-CN" altLang="en-US" dirty="0">
+              <a:rPr lang="zh-CN" altLang="zh-CN" sz="1800" dirty="0">
                 <a:solidFill>
-                  <a:srgbClr val="555555"/>
+                  <a:schemeClr val="lt1"/>
                 </a:solidFill>
-                <a:latin typeface="Microsoft YaHei" panose="020B0503020204020204" pitchFamily="34" charset="-122"/>
-                <a:ea typeface="Microsoft YaHei" panose="020B0503020204020204" pitchFamily="34" charset="-122"/>
               </a:rPr>
-              <a:t>有提供很多功能，你选择不同功能的套餐，范围越大收费越</a:t>
-            </a:r>
-            <a:r>
-              <a:rPr lang="zh-CN" altLang="en-US" dirty="0" smtClean="0">
-                <a:solidFill>
-                  <a:srgbClr val="555555"/>
-                </a:solidFill>
-                <a:latin typeface="Microsoft YaHei" panose="020B0503020204020204" pitchFamily="34" charset="-122"/>
-                <a:ea typeface="Microsoft YaHei" panose="020B0503020204020204" pitchFamily="34" charset="-122"/>
-              </a:rPr>
-              <a:t>高</a:t>
-            </a:r>
-            <a:endParaRPr lang="en-US" altLang="zh-CN" dirty="0" smtClean="0">
-              <a:solidFill>
-                <a:srgbClr val="555555"/>
-              </a:solidFill>
-              <a:latin typeface="Microsoft YaHei" panose="020B0503020204020204" pitchFamily="34" charset="-122"/>
-              <a:ea typeface="Microsoft YaHei" panose="020B0503020204020204" pitchFamily="34" charset="-122"/>
-            </a:endParaRPr>
-          </a:p>
-          <a:p>
-            <a:endParaRPr lang="en-US" altLang="zh-CN" dirty="0" smtClean="0">
-              <a:solidFill>
-                <a:srgbClr val="555555"/>
-              </a:solidFill>
-              <a:latin typeface="Microsoft YaHei" panose="020B0503020204020204" pitchFamily="34" charset="-122"/>
-              <a:ea typeface="Microsoft YaHei" panose="020B0503020204020204" pitchFamily="34" charset="-122"/>
-            </a:endParaRPr>
-          </a:p>
-          <a:p>
-            <a:r>
-              <a:rPr lang="zh-CN" altLang="en-US" dirty="0" smtClean="0">
-                <a:solidFill>
-                  <a:srgbClr val="555555"/>
-                </a:solidFill>
-                <a:latin typeface="Microsoft YaHei" panose="020B0503020204020204" pitchFamily="34" charset="-122"/>
-                <a:ea typeface="Microsoft YaHei" panose="020B0503020204020204" pitchFamily="34" charset="-122"/>
-              </a:rPr>
-              <a:t>按流量：</a:t>
-            </a:r>
-            <a:r>
-              <a:rPr lang="en-US" altLang="zh-CN" dirty="0" smtClean="0">
-                <a:solidFill>
-                  <a:srgbClr val="555555"/>
-                </a:solidFill>
-                <a:latin typeface="Microsoft YaHei" panose="020B0503020204020204" pitchFamily="34" charset="-122"/>
-                <a:ea typeface="Microsoft YaHei" panose="020B0503020204020204" pitchFamily="34" charset="-122"/>
-              </a:rPr>
-              <a:t>API</a:t>
-            </a:r>
-            <a:r>
-              <a:rPr lang="zh-CN" altLang="en-US" dirty="0" smtClean="0">
-                <a:solidFill>
-                  <a:srgbClr val="555555"/>
-                </a:solidFill>
-                <a:latin typeface="Microsoft YaHei" panose="020B0503020204020204" pitchFamily="34" charset="-122"/>
-                <a:ea typeface="Microsoft YaHei" panose="020B0503020204020204" pitchFamily="34" charset="-122"/>
-              </a:rPr>
-              <a:t>中某个功能使用量越高，收费越高</a:t>
-            </a:r>
-            <a:endParaRPr lang="zh-CN" altLang="en-US" dirty="0"/>
+              <a:t>公开在互联网，来自互联网的第三方可以是形形色色的各个领域的企业，双方形成平台式的互联网连接模式</a:t>
+            </a:r>
           </a:p>
         </p:txBody>
       </p:sp>
     </p:spTree>
     <p:extLst>
       <p:ext uri="{BB962C8B-B14F-4D97-AF65-F5344CB8AC3E}">
-        <p14:creationId xmlns:p14="http://schemas.microsoft.com/office/powerpoint/2010/main" val="1916881099"/>
+        <p14:creationId xmlns:p14="http://schemas.microsoft.com/office/powerpoint/2010/main" val="897796425"/>
       </p:ext>
     </p:extLst>
   </p:cSld>
@@ -13726,6 +12513,1366 @@
           <a:lstStyle/>
           <a:p>
             <a:r>
+              <a:rPr lang="en-US" altLang="zh-CN" sz="4400" dirty="0">
+                <a:solidFill>
+                  <a:srgbClr val="0070C0"/>
+                </a:solidFill>
+                <a:latin typeface="黑体" panose="02010609060101010101" pitchFamily="49" charset="-122"/>
+                <a:ea typeface="黑体" panose="02010609060101010101" pitchFamily="49" charset="-122"/>
+              </a:rPr>
+              <a:t>API</a:t>
+            </a:r>
+            <a:r>
+              <a:rPr lang="zh-CN" altLang="en-US" sz="4400" dirty="0" smtClean="0">
+                <a:solidFill>
+                  <a:srgbClr val="0070C0"/>
+                </a:solidFill>
+                <a:latin typeface="黑体" panose="02010609060101010101" pitchFamily="49" charset="-122"/>
+                <a:ea typeface="黑体" panose="02010609060101010101" pitchFamily="49" charset="-122"/>
+              </a:rPr>
+              <a:t>经济的收费标准</a:t>
+            </a:r>
+            <a:endParaRPr lang="zh-CN" altLang="en-US" sz="4400" dirty="0">
+              <a:solidFill>
+                <a:srgbClr val="0070C0"/>
+              </a:solidFill>
+              <a:latin typeface="黑体" panose="02010609060101010101" pitchFamily="49" charset="-122"/>
+              <a:ea typeface="黑体" panose="02010609060101010101" pitchFamily="49" charset="-122"/>
+            </a:endParaRPr>
+          </a:p>
+        </p:txBody>
+      </p:sp>
+      <p:cxnSp>
+        <p:nvCxnSpPr>
+          <p:cNvPr id="12" name="直接连接符 11"/>
+          <p:cNvCxnSpPr/>
+          <p:nvPr/>
+        </p:nvCxnSpPr>
+        <p:spPr>
+          <a:xfrm>
+            <a:off x="448547" y="927274"/>
+            <a:ext cx="11367663" cy="0"/>
+          </a:xfrm>
+          <a:prstGeom prst="line">
+            <a:avLst/>
+          </a:prstGeom>
+          <a:ln>
+            <a:solidFill>
+              <a:schemeClr val="tx1">
+                <a:lumMod val="50000"/>
+                <a:lumOff val="50000"/>
+              </a:schemeClr>
+            </a:solidFill>
+          </a:ln>
+        </p:spPr>
+        <p:style>
+          <a:lnRef idx="1">
+            <a:schemeClr val="accent1"/>
+          </a:lnRef>
+          <a:fillRef idx="0">
+            <a:schemeClr val="accent1"/>
+          </a:fillRef>
+          <a:effectRef idx="0">
+            <a:schemeClr val="accent1"/>
+          </a:effectRef>
+          <a:fontRef idx="minor">
+            <a:schemeClr val="tx1"/>
+          </a:fontRef>
+        </p:style>
+      </p:cxnSp>
+      <p:sp>
+        <p:nvSpPr>
+          <p:cNvPr id="3" name="椭圆 2"/>
+          <p:cNvSpPr/>
+          <p:nvPr/>
+        </p:nvSpPr>
+        <p:spPr>
+          <a:xfrm>
+            <a:off x="1141516" y="2699157"/>
+            <a:ext cx="2088232" cy="2088232"/>
+          </a:xfrm>
+          <a:prstGeom prst="ellipse">
+            <a:avLst/>
+          </a:prstGeom>
+          <a:ln w="57150"/>
+        </p:spPr>
+        <p:style>
+          <a:lnRef idx="2">
+            <a:schemeClr val="accent4">
+              <a:shade val="50000"/>
+            </a:schemeClr>
+          </a:lnRef>
+          <a:fillRef idx="1">
+            <a:schemeClr val="accent4"/>
+          </a:fillRef>
+          <a:effectRef idx="0">
+            <a:schemeClr val="accent4"/>
+          </a:effectRef>
+          <a:fontRef idx="minor">
+            <a:schemeClr val="lt1"/>
+          </a:fontRef>
+        </p:style>
+        <p:txBody>
+          <a:bodyPr rtlCol="0" anchor="ctr"/>
+          <a:lstStyle/>
+          <a:p>
+            <a:pPr algn="ctr"/>
+            <a:r>
+              <a:rPr lang="en-US" altLang="zh-CN" sz="3600" dirty="0" smtClean="0"/>
+              <a:t>APIs</a:t>
+            </a:r>
+            <a:endParaRPr lang="en-US" altLang="zh-CN" dirty="0" smtClean="0"/>
+          </a:p>
+        </p:txBody>
+      </p:sp>
+      <p:sp>
+        <p:nvSpPr>
+          <p:cNvPr id="11" name="椭圆 10"/>
+          <p:cNvSpPr/>
+          <p:nvPr/>
+        </p:nvSpPr>
+        <p:spPr>
+          <a:xfrm>
+            <a:off x="8573181" y="1414436"/>
+            <a:ext cx="1296144" cy="1296144"/>
+          </a:xfrm>
+          <a:prstGeom prst="ellipse">
+            <a:avLst/>
+          </a:prstGeom>
+          <a:ln w="57150"/>
+        </p:spPr>
+        <p:style>
+          <a:lnRef idx="2">
+            <a:schemeClr val="accent6"/>
+          </a:lnRef>
+          <a:fillRef idx="1">
+            <a:schemeClr val="lt1"/>
+          </a:fillRef>
+          <a:effectRef idx="0">
+            <a:schemeClr val="accent6"/>
+          </a:effectRef>
+          <a:fontRef idx="minor">
+            <a:schemeClr val="dk1"/>
+          </a:fontRef>
+        </p:style>
+        <p:txBody>
+          <a:bodyPr rtlCol="0" anchor="ctr"/>
+          <a:lstStyle/>
+          <a:p>
+            <a:pPr algn="ctr"/>
+            <a:r>
+              <a:rPr lang="en-US" altLang="zh-CN" sz="4000" dirty="0" smtClean="0"/>
+              <a:t>$</a:t>
+            </a:r>
+            <a:endParaRPr lang="zh-CN" altLang="en-US" sz="4000" dirty="0"/>
+          </a:p>
+        </p:txBody>
+      </p:sp>
+      <p:sp>
+        <p:nvSpPr>
+          <p:cNvPr id="13" name="椭圆 12"/>
+          <p:cNvSpPr/>
+          <p:nvPr/>
+        </p:nvSpPr>
+        <p:spPr>
+          <a:xfrm>
+            <a:off x="8573181" y="4340295"/>
+            <a:ext cx="1296144" cy="1296144"/>
+          </a:xfrm>
+          <a:prstGeom prst="ellipse">
+            <a:avLst/>
+          </a:prstGeom>
+          <a:ln w="57150"/>
+        </p:spPr>
+        <p:style>
+          <a:lnRef idx="2">
+            <a:schemeClr val="accent6"/>
+          </a:lnRef>
+          <a:fillRef idx="1">
+            <a:schemeClr val="lt1"/>
+          </a:fillRef>
+          <a:effectRef idx="0">
+            <a:schemeClr val="accent6"/>
+          </a:effectRef>
+          <a:fontRef idx="minor">
+            <a:schemeClr val="dk1"/>
+          </a:fontRef>
+        </p:style>
+        <p:txBody>
+          <a:bodyPr rtlCol="0" anchor="ctr"/>
+          <a:lstStyle/>
+          <a:p>
+            <a:pPr algn="ctr"/>
+            <a:r>
+              <a:rPr lang="en-US" altLang="zh-CN" sz="4000" dirty="0">
+                <a:solidFill>
+                  <a:schemeClr val="dk1"/>
+                </a:solidFill>
+              </a:rPr>
+              <a:t>$</a:t>
+            </a:r>
+            <a:endParaRPr lang="zh-CN" altLang="en-US" sz="4000" dirty="0">
+              <a:solidFill>
+                <a:schemeClr val="dk1"/>
+              </a:solidFill>
+            </a:endParaRPr>
+          </a:p>
+        </p:txBody>
+      </p:sp>
+      <p:cxnSp>
+        <p:nvCxnSpPr>
+          <p:cNvPr id="6" name="直接连接符 5"/>
+          <p:cNvCxnSpPr/>
+          <p:nvPr/>
+        </p:nvCxnSpPr>
+        <p:spPr>
+          <a:xfrm>
+            <a:off x="6258943" y="1935550"/>
+            <a:ext cx="2314238" cy="0"/>
+          </a:xfrm>
+          <a:prstGeom prst="line">
+            <a:avLst/>
+          </a:prstGeom>
+          <a:ln w="9525" cap="flat" cmpd="sng" algn="ctr">
+            <a:solidFill>
+              <a:schemeClr val="accent2"/>
+            </a:solidFill>
+            <a:prstDash val="dash"/>
+            <a:round/>
+            <a:headEnd type="none" w="med" len="med"/>
+            <a:tailEnd type="none" w="med" len="med"/>
+          </a:ln>
+        </p:spPr>
+        <p:style>
+          <a:lnRef idx="0">
+            <a:scrgbClr r="0" g="0" b="0"/>
+          </a:lnRef>
+          <a:fillRef idx="0">
+            <a:scrgbClr r="0" g="0" b="0"/>
+          </a:fillRef>
+          <a:effectRef idx="0">
+            <a:scrgbClr r="0" g="0" b="0"/>
+          </a:effectRef>
+          <a:fontRef idx="minor">
+            <a:schemeClr val="tx1"/>
+          </a:fontRef>
+        </p:style>
+      </p:cxnSp>
+      <p:cxnSp>
+        <p:nvCxnSpPr>
+          <p:cNvPr id="14" name="直接连接符 13"/>
+          <p:cNvCxnSpPr/>
+          <p:nvPr/>
+        </p:nvCxnSpPr>
+        <p:spPr>
+          <a:xfrm>
+            <a:off x="6258943" y="2079566"/>
+            <a:ext cx="2314238" cy="0"/>
+          </a:xfrm>
+          <a:prstGeom prst="line">
+            <a:avLst/>
+          </a:prstGeom>
+          <a:ln w="9525" cap="flat" cmpd="sng" algn="ctr">
+            <a:solidFill>
+              <a:schemeClr val="accent2"/>
+            </a:solidFill>
+            <a:prstDash val="dash"/>
+            <a:round/>
+            <a:headEnd type="none" w="med" len="med"/>
+            <a:tailEnd type="none" w="med" len="med"/>
+          </a:ln>
+        </p:spPr>
+        <p:style>
+          <a:lnRef idx="0">
+            <a:scrgbClr r="0" g="0" b="0"/>
+          </a:lnRef>
+          <a:fillRef idx="0">
+            <a:scrgbClr r="0" g="0" b="0"/>
+          </a:fillRef>
+          <a:effectRef idx="0">
+            <a:scrgbClr r="0" g="0" b="0"/>
+          </a:effectRef>
+          <a:fontRef idx="minor">
+            <a:schemeClr val="tx1"/>
+          </a:fontRef>
+        </p:style>
+      </p:cxnSp>
+      <p:cxnSp>
+        <p:nvCxnSpPr>
+          <p:cNvPr id="15" name="直接连接符 14"/>
+          <p:cNvCxnSpPr/>
+          <p:nvPr/>
+        </p:nvCxnSpPr>
+        <p:spPr>
+          <a:xfrm>
+            <a:off x="6186935" y="2223582"/>
+            <a:ext cx="2386246" cy="0"/>
+          </a:xfrm>
+          <a:prstGeom prst="line">
+            <a:avLst/>
+          </a:prstGeom>
+          <a:ln w="9525" cap="flat" cmpd="sng" algn="ctr">
+            <a:solidFill>
+              <a:schemeClr val="accent2"/>
+            </a:solidFill>
+            <a:prstDash val="dash"/>
+            <a:round/>
+            <a:headEnd type="none" w="med" len="med"/>
+            <a:tailEnd type="none" w="med" len="med"/>
+          </a:ln>
+        </p:spPr>
+        <p:style>
+          <a:lnRef idx="0">
+            <a:scrgbClr r="0" g="0" b="0"/>
+          </a:lnRef>
+          <a:fillRef idx="0">
+            <a:scrgbClr r="0" g="0" b="0"/>
+          </a:fillRef>
+          <a:effectRef idx="0">
+            <a:scrgbClr r="0" g="0" b="0"/>
+          </a:effectRef>
+          <a:fontRef idx="minor">
+            <a:schemeClr val="tx1"/>
+          </a:fontRef>
+        </p:style>
+      </p:cxnSp>
+      <p:cxnSp>
+        <p:nvCxnSpPr>
+          <p:cNvPr id="17" name="直接连接符 16"/>
+          <p:cNvCxnSpPr/>
+          <p:nvPr/>
+        </p:nvCxnSpPr>
+        <p:spPr>
+          <a:xfrm>
+            <a:off x="6258943" y="4887878"/>
+            <a:ext cx="2314238" cy="0"/>
+          </a:xfrm>
+          <a:prstGeom prst="line">
+            <a:avLst/>
+          </a:prstGeom>
+          <a:ln w="9525" cap="flat" cmpd="sng" algn="ctr">
+            <a:solidFill>
+              <a:schemeClr val="accent2"/>
+            </a:solidFill>
+            <a:prstDash val="dash"/>
+            <a:round/>
+            <a:headEnd type="none" w="med" len="med"/>
+            <a:tailEnd type="none" w="med" len="med"/>
+          </a:ln>
+        </p:spPr>
+        <p:style>
+          <a:lnRef idx="0">
+            <a:scrgbClr r="0" g="0" b="0"/>
+          </a:lnRef>
+          <a:fillRef idx="0">
+            <a:scrgbClr r="0" g="0" b="0"/>
+          </a:fillRef>
+          <a:effectRef idx="0">
+            <a:scrgbClr r="0" g="0" b="0"/>
+          </a:effectRef>
+          <a:fontRef idx="minor">
+            <a:schemeClr val="tx1"/>
+          </a:fontRef>
+        </p:style>
+      </p:cxnSp>
+      <p:cxnSp>
+        <p:nvCxnSpPr>
+          <p:cNvPr id="18" name="直接连接符 17"/>
+          <p:cNvCxnSpPr/>
+          <p:nvPr/>
+        </p:nvCxnSpPr>
+        <p:spPr>
+          <a:xfrm>
+            <a:off x="6258943" y="5031894"/>
+            <a:ext cx="2314238" cy="0"/>
+          </a:xfrm>
+          <a:prstGeom prst="line">
+            <a:avLst/>
+          </a:prstGeom>
+          <a:ln w="9525" cap="flat" cmpd="sng" algn="ctr">
+            <a:solidFill>
+              <a:schemeClr val="accent2"/>
+            </a:solidFill>
+            <a:prstDash val="dash"/>
+            <a:round/>
+            <a:headEnd type="none" w="med" len="med"/>
+            <a:tailEnd type="none" w="med" len="med"/>
+          </a:ln>
+        </p:spPr>
+        <p:style>
+          <a:lnRef idx="0">
+            <a:scrgbClr r="0" g="0" b="0"/>
+          </a:lnRef>
+          <a:fillRef idx="0">
+            <a:scrgbClr r="0" g="0" b="0"/>
+          </a:fillRef>
+          <a:effectRef idx="0">
+            <a:scrgbClr r="0" g="0" b="0"/>
+          </a:effectRef>
+          <a:fontRef idx="minor">
+            <a:schemeClr val="tx1"/>
+          </a:fontRef>
+        </p:style>
+      </p:cxnSp>
+      <p:cxnSp>
+        <p:nvCxnSpPr>
+          <p:cNvPr id="19" name="直接连接符 18"/>
+          <p:cNvCxnSpPr/>
+          <p:nvPr/>
+        </p:nvCxnSpPr>
+        <p:spPr>
+          <a:xfrm>
+            <a:off x="6186935" y="5175910"/>
+            <a:ext cx="2386246" cy="0"/>
+          </a:xfrm>
+          <a:prstGeom prst="line">
+            <a:avLst/>
+          </a:prstGeom>
+          <a:ln w="9525" cap="flat" cmpd="sng" algn="ctr">
+            <a:solidFill>
+              <a:schemeClr val="accent2"/>
+            </a:solidFill>
+            <a:prstDash val="dash"/>
+            <a:round/>
+            <a:headEnd type="none" w="med" len="med"/>
+            <a:tailEnd type="none" w="med" len="med"/>
+          </a:ln>
+        </p:spPr>
+        <p:style>
+          <a:lnRef idx="0">
+            <a:scrgbClr r="0" g="0" b="0"/>
+          </a:lnRef>
+          <a:fillRef idx="0">
+            <a:scrgbClr r="0" g="0" b="0"/>
+          </a:fillRef>
+          <a:effectRef idx="0">
+            <a:scrgbClr r="0" g="0" b="0"/>
+          </a:effectRef>
+          <a:fontRef idx="minor">
+            <a:schemeClr val="tx1"/>
+          </a:fontRef>
+        </p:style>
+      </p:cxnSp>
+      <p:sp>
+        <p:nvSpPr>
+          <p:cNvPr id="4" name="椭圆 3"/>
+          <p:cNvSpPr/>
+          <p:nvPr/>
+        </p:nvSpPr>
+        <p:spPr>
+          <a:xfrm>
+            <a:off x="4962799" y="1403013"/>
+            <a:ext cx="1296144" cy="1296144"/>
+          </a:xfrm>
+          <a:prstGeom prst="ellipse">
+            <a:avLst/>
+          </a:prstGeom>
+          <a:ln w="57150"/>
+        </p:spPr>
+        <p:style>
+          <a:lnRef idx="2">
+            <a:schemeClr val="accent6"/>
+          </a:lnRef>
+          <a:fillRef idx="1">
+            <a:schemeClr val="lt1"/>
+          </a:fillRef>
+          <a:effectRef idx="0">
+            <a:schemeClr val="accent6"/>
+          </a:effectRef>
+          <a:fontRef idx="minor">
+            <a:schemeClr val="dk1"/>
+          </a:fontRef>
+        </p:style>
+        <p:txBody>
+          <a:bodyPr rtlCol="0" anchor="ctr"/>
+          <a:lstStyle/>
+          <a:p>
+            <a:pPr algn="ctr"/>
+            <a:endParaRPr lang="zh-CN" altLang="en-US" sz="4000">
+              <a:solidFill>
+                <a:schemeClr val="dk1"/>
+              </a:solidFill>
+            </a:endParaRPr>
+          </a:p>
+        </p:txBody>
+      </p:sp>
+      <p:sp>
+        <p:nvSpPr>
+          <p:cNvPr id="9" name="椭圆 8"/>
+          <p:cNvSpPr/>
+          <p:nvPr/>
+        </p:nvSpPr>
+        <p:spPr>
+          <a:xfrm>
+            <a:off x="4962799" y="4328872"/>
+            <a:ext cx="1296144" cy="1296144"/>
+          </a:xfrm>
+          <a:prstGeom prst="ellipse">
+            <a:avLst/>
+          </a:prstGeom>
+          <a:ln w="57150"/>
+        </p:spPr>
+        <p:style>
+          <a:lnRef idx="2">
+            <a:schemeClr val="accent6"/>
+          </a:lnRef>
+          <a:fillRef idx="1">
+            <a:schemeClr val="lt1"/>
+          </a:fillRef>
+          <a:effectRef idx="0">
+            <a:schemeClr val="accent6"/>
+          </a:effectRef>
+          <a:fontRef idx="minor">
+            <a:schemeClr val="dk1"/>
+          </a:fontRef>
+        </p:style>
+        <p:txBody>
+          <a:bodyPr rtlCol="0" anchor="ctr"/>
+          <a:lstStyle/>
+          <a:p>
+            <a:pPr algn="ctr"/>
+            <a:endParaRPr lang="zh-CN" altLang="en-US" sz="4000">
+              <a:solidFill>
+                <a:schemeClr val="dk1"/>
+              </a:solidFill>
+            </a:endParaRPr>
+          </a:p>
+        </p:txBody>
+      </p:sp>
+      <p:sp>
+        <p:nvSpPr>
+          <p:cNvPr id="16" name="矩形 15"/>
+          <p:cNvSpPr/>
+          <p:nvPr/>
+        </p:nvSpPr>
+        <p:spPr>
+          <a:xfrm>
+            <a:off x="5278264" y="1575510"/>
+            <a:ext cx="678281" cy="242932"/>
+          </a:xfrm>
+          <a:prstGeom prst="rect">
+            <a:avLst/>
+          </a:prstGeom>
+        </p:spPr>
+        <p:style>
+          <a:lnRef idx="2">
+            <a:schemeClr val="accent3">
+              <a:shade val="50000"/>
+            </a:schemeClr>
+          </a:lnRef>
+          <a:fillRef idx="1">
+            <a:schemeClr val="accent3"/>
+          </a:fillRef>
+          <a:effectRef idx="0">
+            <a:schemeClr val="accent3"/>
+          </a:effectRef>
+          <a:fontRef idx="minor">
+            <a:schemeClr val="lt1"/>
+          </a:fontRef>
+        </p:style>
+        <p:txBody>
+          <a:bodyPr rtlCol="0" anchor="ctr"/>
+          <a:lstStyle/>
+          <a:p>
+            <a:pPr algn="ctr"/>
+            <a:r>
+              <a:rPr lang="zh-CN" altLang="en-US" sz="1200" dirty="0" smtClean="0"/>
+              <a:t>功能</a:t>
+            </a:r>
+            <a:r>
+              <a:rPr lang="en-US" altLang="zh-CN" sz="1200" dirty="0"/>
+              <a:t>1</a:t>
+            </a:r>
+            <a:endParaRPr lang="zh-CN" altLang="en-US" sz="1200" dirty="0"/>
+          </a:p>
+        </p:txBody>
+      </p:sp>
+      <p:sp>
+        <p:nvSpPr>
+          <p:cNvPr id="21" name="矩形 20"/>
+          <p:cNvSpPr/>
+          <p:nvPr/>
+        </p:nvSpPr>
+        <p:spPr>
+          <a:xfrm>
+            <a:off x="5280433" y="1935550"/>
+            <a:ext cx="678281" cy="242932"/>
+          </a:xfrm>
+          <a:prstGeom prst="rect">
+            <a:avLst/>
+          </a:prstGeom>
+        </p:spPr>
+        <p:style>
+          <a:lnRef idx="2">
+            <a:schemeClr val="accent3">
+              <a:shade val="50000"/>
+            </a:schemeClr>
+          </a:lnRef>
+          <a:fillRef idx="1">
+            <a:schemeClr val="accent3"/>
+          </a:fillRef>
+          <a:effectRef idx="0">
+            <a:schemeClr val="accent3"/>
+          </a:effectRef>
+          <a:fontRef idx="minor">
+            <a:schemeClr val="lt1"/>
+          </a:fontRef>
+        </p:style>
+        <p:txBody>
+          <a:bodyPr rtlCol="0" anchor="ctr"/>
+          <a:lstStyle/>
+          <a:p>
+            <a:pPr algn="ctr"/>
+            <a:r>
+              <a:rPr lang="zh-CN" altLang="en-US" sz="1200" dirty="0" smtClean="0"/>
+              <a:t>功能</a:t>
+            </a:r>
+            <a:r>
+              <a:rPr lang="en-US" altLang="zh-CN" sz="1200" dirty="0" smtClean="0"/>
+              <a:t>2</a:t>
+            </a:r>
+            <a:endParaRPr lang="zh-CN" altLang="en-US" sz="1200" dirty="0"/>
+          </a:p>
+        </p:txBody>
+      </p:sp>
+      <p:sp>
+        <p:nvSpPr>
+          <p:cNvPr id="22" name="矩形 21"/>
+          <p:cNvSpPr/>
+          <p:nvPr/>
+        </p:nvSpPr>
+        <p:spPr>
+          <a:xfrm>
+            <a:off x="5280433" y="2268682"/>
+            <a:ext cx="678281" cy="242932"/>
+          </a:xfrm>
+          <a:prstGeom prst="rect">
+            <a:avLst/>
+          </a:prstGeom>
+        </p:spPr>
+        <p:style>
+          <a:lnRef idx="2">
+            <a:schemeClr val="accent3">
+              <a:shade val="50000"/>
+            </a:schemeClr>
+          </a:lnRef>
+          <a:fillRef idx="1">
+            <a:schemeClr val="accent3"/>
+          </a:fillRef>
+          <a:effectRef idx="0">
+            <a:schemeClr val="accent3"/>
+          </a:effectRef>
+          <a:fontRef idx="minor">
+            <a:schemeClr val="lt1"/>
+          </a:fontRef>
+        </p:style>
+        <p:txBody>
+          <a:bodyPr rtlCol="0" anchor="ctr"/>
+          <a:lstStyle/>
+          <a:p>
+            <a:pPr algn="ctr"/>
+            <a:r>
+              <a:rPr lang="zh-CN" altLang="en-US" sz="1200" dirty="0" smtClean="0"/>
+              <a:t>功能</a:t>
+            </a:r>
+            <a:r>
+              <a:rPr lang="en-US" altLang="zh-CN" sz="1200" dirty="0" smtClean="0"/>
+              <a:t>3</a:t>
+            </a:r>
+            <a:endParaRPr lang="zh-CN" altLang="en-US" sz="1200" dirty="0"/>
+          </a:p>
+        </p:txBody>
+      </p:sp>
+      <p:sp>
+        <p:nvSpPr>
+          <p:cNvPr id="24" name="弦形 23"/>
+          <p:cNvSpPr/>
+          <p:nvPr/>
+        </p:nvSpPr>
+        <p:spPr>
+          <a:xfrm rot="17500446">
+            <a:off x="5056320" y="4422643"/>
+            <a:ext cx="1108601" cy="1108601"/>
+          </a:xfrm>
+          <a:prstGeom prst="chord">
+            <a:avLst/>
+          </a:prstGeom>
+        </p:spPr>
+        <p:style>
+          <a:lnRef idx="2">
+            <a:schemeClr val="accent5">
+              <a:shade val="50000"/>
+            </a:schemeClr>
+          </a:lnRef>
+          <a:fillRef idx="1">
+            <a:schemeClr val="accent5"/>
+          </a:fillRef>
+          <a:effectRef idx="0">
+            <a:schemeClr val="accent5"/>
+          </a:effectRef>
+          <a:fontRef idx="minor">
+            <a:schemeClr val="lt1"/>
+          </a:fontRef>
+        </p:style>
+        <p:txBody>
+          <a:bodyPr rtlCol="0" anchor="ctr"/>
+          <a:lstStyle/>
+          <a:p>
+            <a:pPr algn="ctr"/>
+            <a:endParaRPr lang="zh-CN" altLang="en-US" dirty="0"/>
+          </a:p>
+        </p:txBody>
+      </p:sp>
+      <p:cxnSp>
+        <p:nvCxnSpPr>
+          <p:cNvPr id="26" name="直接连接符 25"/>
+          <p:cNvCxnSpPr/>
+          <p:nvPr/>
+        </p:nvCxnSpPr>
+        <p:spPr>
+          <a:xfrm flipH="1">
+            <a:off x="3193744" y="2178482"/>
+            <a:ext cx="1769056" cy="1269094"/>
+          </a:xfrm>
+          <a:prstGeom prst="line">
+            <a:avLst/>
+          </a:prstGeom>
+          <a:ln w="28575"/>
+        </p:spPr>
+        <p:style>
+          <a:lnRef idx="1">
+            <a:schemeClr val="accent2"/>
+          </a:lnRef>
+          <a:fillRef idx="0">
+            <a:schemeClr val="accent2"/>
+          </a:fillRef>
+          <a:effectRef idx="0">
+            <a:schemeClr val="accent2"/>
+          </a:effectRef>
+          <a:fontRef idx="minor">
+            <a:schemeClr val="tx1"/>
+          </a:fontRef>
+        </p:style>
+      </p:cxnSp>
+      <p:cxnSp>
+        <p:nvCxnSpPr>
+          <p:cNvPr id="28" name="直接连接符 27"/>
+          <p:cNvCxnSpPr>
+            <a:stCxn id="9" idx="2"/>
+          </p:cNvCxnSpPr>
+          <p:nvPr/>
+        </p:nvCxnSpPr>
+        <p:spPr>
+          <a:xfrm flipH="1" flipV="1">
+            <a:off x="3193744" y="4034482"/>
+            <a:ext cx="1769055" cy="942462"/>
+          </a:xfrm>
+          <a:prstGeom prst="line">
+            <a:avLst/>
+          </a:prstGeom>
+          <a:ln w="28575"/>
+        </p:spPr>
+        <p:style>
+          <a:lnRef idx="1">
+            <a:schemeClr val="accent2"/>
+          </a:lnRef>
+          <a:fillRef idx="0">
+            <a:schemeClr val="accent2"/>
+          </a:fillRef>
+          <a:effectRef idx="0">
+            <a:schemeClr val="accent2"/>
+          </a:effectRef>
+          <a:fontRef idx="minor">
+            <a:schemeClr val="tx1"/>
+          </a:fontRef>
+        </p:style>
+      </p:cxnSp>
+      <p:sp>
+        <p:nvSpPr>
+          <p:cNvPr id="1028" name="文本框 1027"/>
+          <p:cNvSpPr txBox="1"/>
+          <p:nvPr/>
+        </p:nvSpPr>
+        <p:spPr>
+          <a:xfrm>
+            <a:off x="5248055" y="4887878"/>
+            <a:ext cx="725130" cy="400110"/>
+          </a:xfrm>
+          <a:prstGeom prst="rect">
+            <a:avLst/>
+          </a:prstGeom>
+          <a:noFill/>
+        </p:spPr>
+        <p:txBody>
+          <a:bodyPr wrap="square" rtlCol="0">
+            <a:spAutoFit/>
+          </a:bodyPr>
+          <a:lstStyle/>
+          <a:p>
+            <a:pPr algn="ctr"/>
+            <a:r>
+              <a:rPr lang="zh-CN" altLang="en-US" sz="2000" dirty="0">
+                <a:solidFill>
+                  <a:schemeClr val="lt1"/>
+                </a:solidFill>
+              </a:rPr>
+              <a:t>流量</a:t>
+            </a:r>
+          </a:p>
+        </p:txBody>
+      </p:sp>
+      <p:sp>
+        <p:nvSpPr>
+          <p:cNvPr id="1029" name="矩形 1028"/>
+          <p:cNvSpPr/>
+          <p:nvPr/>
+        </p:nvSpPr>
+        <p:spPr>
+          <a:xfrm>
+            <a:off x="903961" y="1667306"/>
+            <a:ext cx="2832827" cy="461665"/>
+          </a:xfrm>
+          <a:prstGeom prst="rect">
+            <a:avLst/>
+          </a:prstGeom>
+        </p:spPr>
+        <p:txBody>
+          <a:bodyPr wrap="none">
+            <a:spAutoFit/>
+          </a:bodyPr>
+          <a:lstStyle/>
+          <a:p>
+            <a:r>
+              <a:rPr lang="en-US" altLang="zh-CN" dirty="0">
+                <a:solidFill>
+                  <a:srgbClr val="555555"/>
+                </a:solidFill>
+                <a:latin typeface="Microsoft YaHei" panose="020B0503020204020204" pitchFamily="34" charset="-122"/>
+                <a:ea typeface="Microsoft YaHei" panose="020B0503020204020204" pitchFamily="34" charset="-122"/>
+              </a:rPr>
+              <a:t>API</a:t>
+            </a:r>
+            <a:r>
+              <a:rPr lang="zh-CN" altLang="en-US" dirty="0">
+                <a:solidFill>
+                  <a:srgbClr val="555555"/>
+                </a:solidFill>
+                <a:latin typeface="Microsoft YaHei" panose="020B0503020204020204" pitchFamily="34" charset="-122"/>
+                <a:ea typeface="Microsoft YaHei" panose="020B0503020204020204" pitchFamily="34" charset="-122"/>
+              </a:rPr>
+              <a:t>有两种收费标准</a:t>
+            </a:r>
+            <a:endParaRPr lang="zh-CN" altLang="en-US" dirty="0"/>
+          </a:p>
+        </p:txBody>
+      </p:sp>
+      <p:sp>
+        <p:nvSpPr>
+          <p:cNvPr id="1030" name="矩形 1029"/>
+          <p:cNvSpPr/>
+          <p:nvPr/>
+        </p:nvSpPr>
+        <p:spPr>
+          <a:xfrm>
+            <a:off x="6588752" y="4321379"/>
+            <a:ext cx="1415772" cy="461665"/>
+          </a:xfrm>
+          <a:prstGeom prst="rect">
+            <a:avLst/>
+          </a:prstGeom>
+        </p:spPr>
+        <p:txBody>
+          <a:bodyPr wrap="none">
+            <a:spAutoFit/>
+          </a:bodyPr>
+          <a:lstStyle/>
+          <a:p>
+            <a:r>
+              <a:rPr lang="zh-CN" altLang="en-US" dirty="0" smtClean="0">
+                <a:solidFill>
+                  <a:srgbClr val="555555"/>
+                </a:solidFill>
+                <a:latin typeface="Microsoft YaHei" panose="020B0503020204020204" pitchFamily="34" charset="-122"/>
+                <a:ea typeface="Microsoft YaHei" panose="020B0503020204020204" pitchFamily="34" charset="-122"/>
+              </a:rPr>
+              <a:t>按</a:t>
+            </a:r>
+            <a:r>
+              <a:rPr lang="zh-CN" altLang="en-US" dirty="0">
+                <a:solidFill>
+                  <a:srgbClr val="555555"/>
+                </a:solidFill>
+                <a:latin typeface="Microsoft YaHei" panose="020B0503020204020204" pitchFamily="34" charset="-122"/>
+                <a:ea typeface="Microsoft YaHei" panose="020B0503020204020204" pitchFamily="34" charset="-122"/>
+              </a:rPr>
+              <a:t>量计费</a:t>
+            </a:r>
+            <a:endParaRPr lang="zh-CN" altLang="en-US" dirty="0"/>
+          </a:p>
+        </p:txBody>
+      </p:sp>
+      <p:sp>
+        <p:nvSpPr>
+          <p:cNvPr id="1031" name="矩形 1030"/>
+          <p:cNvSpPr/>
+          <p:nvPr/>
+        </p:nvSpPr>
+        <p:spPr>
+          <a:xfrm>
+            <a:off x="6518283" y="1398141"/>
+            <a:ext cx="1723549" cy="461665"/>
+          </a:xfrm>
+          <a:prstGeom prst="rect">
+            <a:avLst/>
+          </a:prstGeom>
+        </p:spPr>
+        <p:txBody>
+          <a:bodyPr wrap="none">
+            <a:spAutoFit/>
+          </a:bodyPr>
+          <a:lstStyle/>
+          <a:p>
+            <a:r>
+              <a:rPr lang="zh-CN" altLang="en-US" dirty="0" smtClean="0">
+                <a:solidFill>
+                  <a:srgbClr val="555555"/>
+                </a:solidFill>
+                <a:latin typeface="Microsoft YaHei" panose="020B0503020204020204" pitchFamily="34" charset="-122"/>
+                <a:ea typeface="Microsoft YaHei" panose="020B0503020204020204" pitchFamily="34" charset="-122"/>
+              </a:rPr>
+              <a:t>按</a:t>
+            </a:r>
+            <a:r>
+              <a:rPr lang="zh-CN" altLang="en-US" dirty="0">
+                <a:solidFill>
+                  <a:srgbClr val="555555"/>
+                </a:solidFill>
+                <a:latin typeface="Microsoft YaHei" panose="020B0503020204020204" pitchFamily="34" charset="-122"/>
+                <a:ea typeface="Microsoft YaHei" panose="020B0503020204020204" pitchFamily="34" charset="-122"/>
+              </a:rPr>
+              <a:t>功能</a:t>
+            </a:r>
+            <a:r>
+              <a:rPr lang="zh-CN" altLang="en-US" dirty="0" smtClean="0">
+                <a:solidFill>
+                  <a:srgbClr val="555555"/>
+                </a:solidFill>
+                <a:latin typeface="Microsoft YaHei" panose="020B0503020204020204" pitchFamily="34" charset="-122"/>
+                <a:ea typeface="Microsoft YaHei" panose="020B0503020204020204" pitchFamily="34" charset="-122"/>
+              </a:rPr>
+              <a:t>计费</a:t>
+            </a:r>
+            <a:endParaRPr lang="zh-CN" altLang="en-US" dirty="0"/>
+          </a:p>
+        </p:txBody>
+      </p:sp>
+      <p:sp>
+        <p:nvSpPr>
+          <p:cNvPr id="1032" name="矩形 1031"/>
+          <p:cNvSpPr/>
+          <p:nvPr/>
+        </p:nvSpPr>
+        <p:spPr>
+          <a:xfrm>
+            <a:off x="1286574" y="6492519"/>
+            <a:ext cx="9220320" cy="1569660"/>
+          </a:xfrm>
+          <a:prstGeom prst="rect">
+            <a:avLst/>
+          </a:prstGeom>
+        </p:spPr>
+        <p:txBody>
+          <a:bodyPr wrap="square">
+            <a:spAutoFit/>
+          </a:bodyPr>
+          <a:lstStyle/>
+          <a:p>
+            <a:r>
+              <a:rPr lang="zh-CN" altLang="en-US" dirty="0" smtClean="0">
+                <a:solidFill>
+                  <a:srgbClr val="555555"/>
+                </a:solidFill>
+                <a:latin typeface="Microsoft YaHei" panose="020B0503020204020204" pitchFamily="34" charset="-122"/>
+                <a:ea typeface="Microsoft YaHei" panose="020B0503020204020204" pitchFamily="34" charset="-122"/>
+              </a:rPr>
+              <a:t>按功能：</a:t>
+            </a:r>
+            <a:r>
+              <a:rPr lang="en-US" altLang="zh-CN" dirty="0" smtClean="0">
+                <a:solidFill>
+                  <a:srgbClr val="555555"/>
+                </a:solidFill>
+                <a:latin typeface="Microsoft YaHei" panose="020B0503020204020204" pitchFamily="34" charset="-122"/>
+                <a:ea typeface="Microsoft YaHei" panose="020B0503020204020204" pitchFamily="34" charset="-122"/>
+              </a:rPr>
+              <a:t>API</a:t>
+            </a:r>
+            <a:r>
+              <a:rPr lang="zh-CN" altLang="en-US" dirty="0">
+                <a:solidFill>
+                  <a:srgbClr val="555555"/>
+                </a:solidFill>
+                <a:latin typeface="Microsoft YaHei" panose="020B0503020204020204" pitchFamily="34" charset="-122"/>
+                <a:ea typeface="Microsoft YaHei" panose="020B0503020204020204" pitchFamily="34" charset="-122"/>
+              </a:rPr>
+              <a:t>有提供很多功能，你选择不同功能的套餐，范围越大收费越</a:t>
+            </a:r>
+            <a:r>
+              <a:rPr lang="zh-CN" altLang="en-US" dirty="0" smtClean="0">
+                <a:solidFill>
+                  <a:srgbClr val="555555"/>
+                </a:solidFill>
+                <a:latin typeface="Microsoft YaHei" panose="020B0503020204020204" pitchFamily="34" charset="-122"/>
+                <a:ea typeface="Microsoft YaHei" panose="020B0503020204020204" pitchFamily="34" charset="-122"/>
+              </a:rPr>
+              <a:t>高</a:t>
+            </a:r>
+            <a:endParaRPr lang="en-US" altLang="zh-CN" dirty="0" smtClean="0">
+              <a:solidFill>
+                <a:srgbClr val="555555"/>
+              </a:solidFill>
+              <a:latin typeface="Microsoft YaHei" panose="020B0503020204020204" pitchFamily="34" charset="-122"/>
+              <a:ea typeface="Microsoft YaHei" panose="020B0503020204020204" pitchFamily="34" charset="-122"/>
+            </a:endParaRPr>
+          </a:p>
+          <a:p>
+            <a:endParaRPr lang="en-US" altLang="zh-CN" dirty="0" smtClean="0">
+              <a:solidFill>
+                <a:srgbClr val="555555"/>
+              </a:solidFill>
+              <a:latin typeface="Microsoft YaHei" panose="020B0503020204020204" pitchFamily="34" charset="-122"/>
+              <a:ea typeface="Microsoft YaHei" panose="020B0503020204020204" pitchFamily="34" charset="-122"/>
+            </a:endParaRPr>
+          </a:p>
+          <a:p>
+            <a:r>
+              <a:rPr lang="zh-CN" altLang="en-US" dirty="0" smtClean="0">
+                <a:solidFill>
+                  <a:srgbClr val="555555"/>
+                </a:solidFill>
+                <a:latin typeface="Microsoft YaHei" panose="020B0503020204020204" pitchFamily="34" charset="-122"/>
+                <a:ea typeface="Microsoft YaHei" panose="020B0503020204020204" pitchFamily="34" charset="-122"/>
+              </a:rPr>
+              <a:t>按流量：</a:t>
+            </a:r>
+            <a:r>
+              <a:rPr lang="en-US" altLang="zh-CN" dirty="0" smtClean="0">
+                <a:solidFill>
+                  <a:srgbClr val="555555"/>
+                </a:solidFill>
+                <a:latin typeface="Microsoft YaHei" panose="020B0503020204020204" pitchFamily="34" charset="-122"/>
+                <a:ea typeface="Microsoft YaHei" panose="020B0503020204020204" pitchFamily="34" charset="-122"/>
+              </a:rPr>
+              <a:t>API</a:t>
+            </a:r>
+            <a:r>
+              <a:rPr lang="zh-CN" altLang="en-US" dirty="0" smtClean="0">
+                <a:solidFill>
+                  <a:srgbClr val="555555"/>
+                </a:solidFill>
+                <a:latin typeface="Microsoft YaHei" panose="020B0503020204020204" pitchFamily="34" charset="-122"/>
+                <a:ea typeface="Microsoft YaHei" panose="020B0503020204020204" pitchFamily="34" charset="-122"/>
+              </a:rPr>
+              <a:t>中某个功能使用量越高，收费越高</a:t>
+            </a:r>
+            <a:endParaRPr lang="zh-CN" altLang="en-US" dirty="0"/>
+          </a:p>
+        </p:txBody>
+      </p:sp>
+    </p:spTree>
+    <p:extLst>
+      <p:ext uri="{BB962C8B-B14F-4D97-AF65-F5344CB8AC3E}">
+        <p14:creationId xmlns:p14="http://schemas.microsoft.com/office/powerpoint/2010/main" val="1916881099"/>
+      </p:ext>
+    </p:extLst>
+  </p:cSld>
+  <p:clrMapOvr>
+    <a:masterClrMapping/>
+  </p:clrMapOvr>
+  <p:timing>
+    <p:tnLst>
+      <p:par>
+        <p:cTn id="1" dur="indefinite" restart="never" nodeType="tmRoot">
+          <p:childTnLst>
+            <p:seq concurrent="1" nextAc="seek">
+              <p:cTn id="2" dur="indefinite" nodeType="mainSeq">
+                <p:childTnLst>
+                  <p:par>
+                    <p:cTn id="3" fill="hold">
+                      <p:stCondLst>
+                        <p:cond delay="indefinite"/>
+                        <p:cond evt="onBegin" delay="0">
+                          <p:tn val="2"/>
+                        </p:cond>
+                      </p:stCondLst>
+                      <p:childTnLst>
+                        <p:par>
+                          <p:cTn id="4" fill="hold">
+                            <p:stCondLst>
+                              <p:cond delay="0"/>
+                            </p:stCondLst>
+                            <p:childTnLst>
+                              <p:par>
+                                <p:cTn id="5" presetID="22" presetClass="entr" presetSubtype="8" fill="hold" nodeType="withEffect">
+                                  <p:stCondLst>
+                                    <p:cond delay="0"/>
+                                  </p:stCondLst>
+                                  <p:childTnLst>
+                                    <p:set>
+                                      <p:cBhvr>
+                                        <p:cTn id="6" dur="1" fill="hold">
+                                          <p:stCondLst>
+                                            <p:cond delay="0"/>
+                                          </p:stCondLst>
+                                        </p:cTn>
+                                        <p:tgtEl>
+                                          <p:spTgt spid="8"/>
+                                        </p:tgtEl>
+                                        <p:attrNameLst>
+                                          <p:attrName>style.visibility</p:attrName>
+                                        </p:attrNameLst>
+                                      </p:cBhvr>
+                                      <p:to>
+                                        <p:strVal val="visible"/>
+                                      </p:to>
+                                    </p:set>
+                                    <p:animEffect transition="in" filter="wipe(left)">
+                                      <p:cBhvr>
+                                        <p:cTn id="7" dur="1000"/>
+                                        <p:tgtEl>
+                                          <p:spTgt spid="8"/>
+                                        </p:tgtEl>
+                                      </p:cBhvr>
+                                    </p:animEffect>
+                                  </p:childTnLst>
+                                </p:cTn>
+                              </p:par>
+                              <p:par>
+                                <p:cTn id="8" presetID="10" presetClass="entr" presetSubtype="0" fill="hold" grpId="0" nodeType="withEffect">
+                                  <p:stCondLst>
+                                    <p:cond delay="0"/>
+                                  </p:stCondLst>
+                                  <p:iterate type="lt">
+                                    <p:tmPct val="10000"/>
+                                  </p:iterate>
+                                  <p:childTnLst>
+                                    <p:set>
+                                      <p:cBhvr>
+                                        <p:cTn id="9" dur="1" fill="hold">
+                                          <p:stCondLst>
+                                            <p:cond delay="0"/>
+                                          </p:stCondLst>
+                                        </p:cTn>
+                                        <p:tgtEl>
+                                          <p:spTgt spid="10"/>
+                                        </p:tgtEl>
+                                        <p:attrNameLst>
+                                          <p:attrName>style.visibility</p:attrName>
+                                        </p:attrNameLst>
+                                      </p:cBhvr>
+                                      <p:to>
+                                        <p:strVal val="visible"/>
+                                      </p:to>
+                                    </p:set>
+                                    <p:animEffect transition="in" filter="fade">
+                                      <p:cBhvr>
+                                        <p:cTn id="10" dur="500"/>
+                                        <p:tgtEl>
+                                          <p:spTgt spid="10"/>
+                                        </p:tgtEl>
+                                      </p:cBhvr>
+                                    </p:animEffect>
+                                  </p:childTnLst>
+                                </p:cTn>
+                              </p:par>
+                              <p:par>
+                                <p:cTn id="11" presetID="22" presetClass="entr" presetSubtype="8" fill="hold" nodeType="withEffect">
+                                  <p:stCondLst>
+                                    <p:cond delay="0"/>
+                                  </p:stCondLst>
+                                  <p:childTnLst>
+                                    <p:set>
+                                      <p:cBhvr>
+                                        <p:cTn id="12" dur="1" fill="hold">
+                                          <p:stCondLst>
+                                            <p:cond delay="0"/>
+                                          </p:stCondLst>
+                                        </p:cTn>
+                                        <p:tgtEl>
+                                          <p:spTgt spid="12"/>
+                                        </p:tgtEl>
+                                        <p:attrNameLst>
+                                          <p:attrName>style.visibility</p:attrName>
+                                        </p:attrNameLst>
+                                      </p:cBhvr>
+                                      <p:to>
+                                        <p:strVal val="visible"/>
+                                      </p:to>
+                                    </p:set>
+                                    <p:animEffect transition="in" filter="wipe(left)">
+                                      <p:cBhvr>
+                                        <p:cTn id="13" dur="1000"/>
+                                        <p:tgtEl>
+                                          <p:spTgt spid="12"/>
+                                        </p:tgtEl>
+                                      </p:cBhvr>
+                                    </p:animEffect>
+                                  </p:childTnLst>
+                                </p:cTn>
+                              </p:par>
+                            </p:childTnLst>
+                          </p:cTn>
+                        </p:par>
+                      </p:childTnLst>
+                    </p:cTn>
+                  </p:par>
+                </p:childTnLst>
+              </p:cTn>
+              <p:prevCondLst>
+                <p:cond evt="onPrev" delay="0">
+                  <p:tgtEl>
+                    <p:sldTgt/>
+                  </p:tgtEl>
+                </p:cond>
+              </p:prevCondLst>
+              <p:nextCondLst>
+                <p:cond evt="onNext" delay="0">
+                  <p:tgtEl>
+                    <p:sldTgt/>
+                  </p:tgtEl>
+                </p:cond>
+              </p:nextCondLst>
+            </p:seq>
+          </p:childTnLst>
+        </p:cTn>
+      </p:par>
+    </p:tnLst>
+    <p:bldLst>
+      <p:bldP spid="10" grpId="0"/>
+    </p:bldLst>
+  </p:timing>
+</p:sld>
+</file>
+
+<file path=ppt/slides/slide8.xml><?xml version="1.0" encoding="utf-8"?>
+<p:sld xmlns:a="http://schemas.openxmlformats.org/drawingml/2006/main" xmlns:r="http://schemas.openxmlformats.org/officeDocument/2006/relationships" xmlns:p="http://schemas.openxmlformats.org/presentationml/2006/main">
+  <p:cSld>
+    <p:spTree>
+      <p:nvGrpSpPr>
+        <p:cNvPr id="1" name=""/>
+        <p:cNvGrpSpPr/>
+        <p:nvPr/>
+      </p:nvGrpSpPr>
+      <p:grpSpPr>
+        <a:xfrm>
+          <a:off x="0" y="0"/>
+          <a:ext cx="0" cy="0"/>
+          <a:chOff x="0" y="0"/>
+          <a:chExt cx="0" cy="0"/>
+        </a:xfrm>
+      </p:grpSpPr>
+      <p:pic>
+        <p:nvPicPr>
+          <p:cNvPr id="1027" name="Picture 3" descr="E:\工作\0530\银色系列\1.jpg"/>
+          <p:cNvPicPr>
+            <a:picLocks noChangeAspect="1" noChangeArrowheads="1"/>
+          </p:cNvPicPr>
+          <p:nvPr/>
+        </p:nvPicPr>
+        <p:blipFill>
+          <a:blip r:embed="rId2">
+            <a:extLst>
+              <a:ext uri="{28A0092B-C50C-407E-A947-70E740481C1C}">
+                <a14:useLocalDpi xmlns:a14="http://schemas.microsoft.com/office/drawing/2010/main" val="0"/>
+              </a:ext>
+            </a:extLst>
+          </a:blip>
+          <a:srcRect/>
+          <a:stretch>
+            <a:fillRect/>
+          </a:stretch>
+        </p:blipFill>
+        <p:spPr bwMode="auto">
+          <a:xfrm>
+            <a:off x="-8156" y="-39944"/>
+            <a:ext cx="13030969" cy="8640652"/>
+          </a:xfrm>
+          <a:prstGeom prst="rect">
+            <a:avLst/>
+          </a:prstGeom>
+          <a:noFill/>
+          <a:extLst>
+            <a:ext uri="{909E8E84-426E-40DD-AFC4-6F175D3DCCD1}">
+              <a14:hiddenFill xmlns:a14="http://schemas.microsoft.com/office/drawing/2010/main">
+                <a:solidFill>
+                  <a:srgbClr val="FFFFFF"/>
+                </a:solidFill>
+              </a14:hiddenFill>
+            </a:ext>
+          </a:extLst>
+        </p:spPr>
+      </p:pic>
+      <p:cxnSp>
+        <p:nvCxnSpPr>
+          <p:cNvPr id="8" name="直接连接符 7"/>
+          <p:cNvCxnSpPr/>
+          <p:nvPr/>
+        </p:nvCxnSpPr>
+        <p:spPr>
+          <a:xfrm>
+            <a:off x="448547" y="927274"/>
+            <a:ext cx="11367663" cy="0"/>
+          </a:xfrm>
+          <a:prstGeom prst="line">
+            <a:avLst/>
+          </a:prstGeom>
+          <a:ln>
+            <a:solidFill>
+              <a:schemeClr val="tx1">
+                <a:lumMod val="50000"/>
+                <a:lumOff val="50000"/>
+              </a:schemeClr>
+            </a:solidFill>
+          </a:ln>
+        </p:spPr>
+        <p:style>
+          <a:lnRef idx="1">
+            <a:schemeClr val="accent1"/>
+          </a:lnRef>
+          <a:fillRef idx="0">
+            <a:schemeClr val="accent1"/>
+          </a:fillRef>
+          <a:effectRef idx="0">
+            <a:schemeClr val="accent1"/>
+          </a:effectRef>
+          <a:fontRef idx="minor">
+            <a:schemeClr val="tx1"/>
+          </a:fontRef>
+        </p:style>
+      </p:cxnSp>
+      <p:sp>
+        <p:nvSpPr>
+          <p:cNvPr id="10" name="文本框 13"/>
+          <p:cNvSpPr txBox="1"/>
+          <p:nvPr/>
+        </p:nvSpPr>
+        <p:spPr>
+          <a:xfrm>
+            <a:off x="381720" y="-446"/>
+            <a:ext cx="15989242" cy="801897"/>
+          </a:xfrm>
+          <a:prstGeom prst="rect">
+            <a:avLst/>
+          </a:prstGeom>
+          <a:noFill/>
+        </p:spPr>
+        <p:txBody>
+          <a:bodyPr wrap="square" lIns="123581" tIns="61791" rIns="123581" bIns="61791" rtlCol="0">
+            <a:spAutoFit/>
+          </a:bodyPr>
+          <a:lstStyle/>
+          <a:p>
+            <a:r>
               <a:rPr lang="en-US" altLang="zh-CN" sz="4400" dirty="0" smtClean="0">
                 <a:solidFill>
                   <a:srgbClr val="0070C0"/>
@@ -14086,7 +14233,7 @@
 </p:sld>
 </file>
 
-<file path=ppt/slides/slide8.xml><?xml version="1.0" encoding="utf-8"?>
+<file path=ppt/slides/slide9.xml><?xml version="1.0" encoding="utf-8"?>
 <p:sld xmlns:a="http://schemas.openxmlformats.org/drawingml/2006/main" xmlns:r="http://schemas.openxmlformats.org/officeDocument/2006/relationships" xmlns:p="http://schemas.openxmlformats.org/presentationml/2006/main">
   <p:cSld>
     <p:spTree>
